--- a/Layout Ideas.pptx
+++ b/Layout Ideas.pptx
@@ -5,10 +5,11 @@
     <p:sldMasterId id="2147483648" r:id="rId1"/>
   </p:sldMasterIdLst>
   <p:notesMasterIdLst>
-    <p:notesMasterId r:id="rId3"/>
+    <p:notesMasterId r:id="rId4"/>
   </p:notesMasterIdLst>
   <p:sldIdLst>
     <p:sldId id="256" r:id="rId2"/>
+    <p:sldId id="257" r:id="rId3"/>
   </p:sldIdLst>
   <p:sldSz cx="9144000" cy="6858000" type="screen4x3"/>
   <p:notesSz cx="6858000" cy="9144000"/>
@@ -131,11 +132,11 @@
 </file>
 
 <file path=ppt/activeX/activeX14.xml><?xml version="1.0" encoding="utf-8"?>
-<ax:ocx xmlns:ax="http://schemas.microsoft.com/office/2006/activeX" xmlns:r="http://schemas.openxmlformats.org/officeDocument/2006/relationships" ax:classid="{8BD21D10-EC42-11CE-9E0D-00AA006002F3}" ax:persistence="persistStorage" r:id="rId1"/>
+<ax:ocx xmlns:ax="http://schemas.microsoft.com/office/2006/activeX" xmlns:r="http://schemas.openxmlformats.org/officeDocument/2006/relationships" ax:classid="{8BD21D40-EC42-11CE-9E0D-00AA006002F3}" ax:persistence="persistStorage" r:id="rId1"/>
 </file>
 
 <file path=ppt/activeX/activeX15.xml><?xml version="1.0" encoding="utf-8"?>
-<ax:ocx xmlns:ax="http://schemas.microsoft.com/office/2006/activeX" xmlns:r="http://schemas.openxmlformats.org/officeDocument/2006/relationships" ax:classid="{8BD21D10-EC42-11CE-9E0D-00AA006002F3}" ax:persistence="persistStorage" r:id="rId1"/>
+<ax:ocx xmlns:ax="http://schemas.microsoft.com/office/2006/activeX" xmlns:r="http://schemas.openxmlformats.org/officeDocument/2006/relationships" ax:classid="{D7053240-CE69-11CD-A777-00DD01143C57}" ax:persistence="persistStorage" r:id="rId1"/>
 </file>
 
 <file path=ppt/activeX/activeX16.xml><?xml version="1.0" encoding="utf-8"?>
@@ -147,19 +148,91 @@
 </file>
 
 <file path=ppt/activeX/activeX18.xml><?xml version="1.0" encoding="utf-8"?>
-<ax:ocx xmlns:ax="http://schemas.microsoft.com/office/2006/activeX" xmlns:r="http://schemas.openxmlformats.org/officeDocument/2006/relationships" ax:classid="{8BD21D40-EC42-11CE-9E0D-00AA006002F3}" ax:persistence="persistStorage" r:id="rId1"/>
+<ax:ocx xmlns:ax="http://schemas.microsoft.com/office/2006/activeX" xmlns:r="http://schemas.openxmlformats.org/officeDocument/2006/relationships" ax:classid="{8BD21D10-EC42-11CE-9E0D-00AA006002F3}" ax:persistence="persistStorage" r:id="rId1"/>
 </file>
 
 <file path=ppt/activeX/activeX19.xml><?xml version="1.0" encoding="utf-8"?>
-<ax:ocx xmlns:ax="http://schemas.microsoft.com/office/2006/activeX" xmlns:r="http://schemas.openxmlformats.org/officeDocument/2006/relationships" ax:classid="{D7053240-CE69-11CD-A777-00DD01143C57}" ax:persistence="persistStorage" r:id="rId1"/>
+<ax:ocx xmlns:ax="http://schemas.microsoft.com/office/2006/activeX" xmlns:r="http://schemas.openxmlformats.org/officeDocument/2006/relationships" ax:classid="{8BD21D10-EC42-11CE-9E0D-00AA006002F3}" ax:persistence="persistStorage" r:id="rId1"/>
 </file>
 
 <file path=ppt/activeX/activeX2.xml><?xml version="1.0" encoding="utf-8"?>
 <ax:ocx xmlns:ax="http://schemas.microsoft.com/office/2006/activeX" xmlns:r="http://schemas.openxmlformats.org/officeDocument/2006/relationships" ax:classid="{8BD21D30-EC42-11CE-9E0D-00AA006002F3}" ax:persistence="persistStorage" r:id="rId1"/>
 </file>
 
+<file path=ppt/activeX/activeX20.xml><?xml version="1.0" encoding="utf-8"?>
+<ax:ocx xmlns:ax="http://schemas.microsoft.com/office/2006/activeX" xmlns:r="http://schemas.openxmlformats.org/officeDocument/2006/relationships" ax:classid="{8BD21D10-EC42-11CE-9E0D-00AA006002F3}" ax:persistence="persistStorage" r:id="rId1"/>
+</file>
+
+<file path=ppt/activeX/activeX21.xml><?xml version="1.0" encoding="utf-8"?>
+<ax:ocx xmlns:ax="http://schemas.microsoft.com/office/2006/activeX" xmlns:r="http://schemas.openxmlformats.org/officeDocument/2006/relationships" ax:classid="{8BD21D10-EC42-11CE-9E0D-00AA006002F3}" ax:persistence="persistStorage" r:id="rId1"/>
+</file>
+
+<file path=ppt/activeX/activeX22.xml><?xml version="1.0" encoding="utf-8"?>
+<ax:ocx xmlns:ax="http://schemas.microsoft.com/office/2006/activeX" xmlns:r="http://schemas.openxmlformats.org/officeDocument/2006/relationships" ax:classid="{8BD21D10-EC42-11CE-9E0D-00AA006002F3}" ax:persistence="persistStorage" r:id="rId1"/>
+</file>
+
+<file path=ppt/activeX/activeX23.xml><?xml version="1.0" encoding="utf-8"?>
+<ax:ocx xmlns:ax="http://schemas.microsoft.com/office/2006/activeX" xmlns:r="http://schemas.openxmlformats.org/officeDocument/2006/relationships" ax:classid="{8BD21D10-EC42-11CE-9E0D-00AA006002F3}" ax:persistence="persistStorage" r:id="rId1"/>
+</file>
+
+<file path=ppt/activeX/activeX24.xml><?xml version="1.0" encoding="utf-8"?>
+<ax:ocx xmlns:ax="http://schemas.microsoft.com/office/2006/activeX" xmlns:r="http://schemas.openxmlformats.org/officeDocument/2006/relationships" ax:classid="{8BD21D10-EC42-11CE-9E0D-00AA006002F3}" ax:persistence="persistStorage" r:id="rId1"/>
+</file>
+
+<file path=ppt/activeX/activeX25.xml><?xml version="1.0" encoding="utf-8"?>
+<ax:ocx xmlns:ax="http://schemas.microsoft.com/office/2006/activeX" xmlns:r="http://schemas.openxmlformats.org/officeDocument/2006/relationships" ax:classid="{8BD21D10-EC42-11CE-9E0D-00AA006002F3}" ax:persistence="persistStorage" r:id="rId1"/>
+</file>
+
+<file path=ppt/activeX/activeX26.xml><?xml version="1.0" encoding="utf-8"?>
+<ax:ocx xmlns:ax="http://schemas.microsoft.com/office/2006/activeX" xmlns:r="http://schemas.openxmlformats.org/officeDocument/2006/relationships" ax:classid="{8BD21D10-EC42-11CE-9E0D-00AA006002F3}" ax:persistence="persistStorage" r:id="rId1"/>
+</file>
+
+<file path=ppt/activeX/activeX27.xml><?xml version="1.0" encoding="utf-8"?>
+<ax:ocx xmlns:ax="http://schemas.microsoft.com/office/2006/activeX" xmlns:r="http://schemas.openxmlformats.org/officeDocument/2006/relationships" ax:classid="{8BD21D10-EC42-11CE-9E0D-00AA006002F3}" ax:persistence="persistStorage" r:id="rId1"/>
+</file>
+
+<file path=ppt/activeX/activeX28.xml><?xml version="1.0" encoding="utf-8"?>
+<ax:ocx xmlns:ax="http://schemas.microsoft.com/office/2006/activeX" xmlns:r="http://schemas.openxmlformats.org/officeDocument/2006/relationships" ax:classid="{8BD21D10-EC42-11CE-9E0D-00AA006002F3}" ax:persistence="persistStorage" r:id="rId1"/>
+</file>
+
+<file path=ppt/activeX/activeX29.xml><?xml version="1.0" encoding="utf-8"?>
+<ax:ocx xmlns:ax="http://schemas.microsoft.com/office/2006/activeX" xmlns:r="http://schemas.openxmlformats.org/officeDocument/2006/relationships" ax:classid="{8BD21D10-EC42-11CE-9E0D-00AA006002F3}" ax:persistence="persistStorage" r:id="rId1"/>
+</file>
+
 <file path=ppt/activeX/activeX3.xml><?xml version="1.0" encoding="utf-8"?>
 <ax:ocx xmlns:ax="http://schemas.microsoft.com/office/2006/activeX" xmlns:r="http://schemas.openxmlformats.org/officeDocument/2006/relationships" ax:classid="{8BD21D30-EC42-11CE-9E0D-00AA006002F3}" ax:persistence="persistStorage" r:id="rId1"/>
+</file>
+
+<file path=ppt/activeX/activeX30.xml><?xml version="1.0" encoding="utf-8"?>
+<ax:ocx xmlns:ax="http://schemas.microsoft.com/office/2006/activeX" xmlns:r="http://schemas.openxmlformats.org/officeDocument/2006/relationships" ax:classid="{8BD21D10-EC42-11CE-9E0D-00AA006002F3}" ax:persistence="persistStorage" r:id="rId1"/>
+</file>
+
+<file path=ppt/activeX/activeX31.xml><?xml version="1.0" encoding="utf-8"?>
+<ax:ocx xmlns:ax="http://schemas.microsoft.com/office/2006/activeX" xmlns:r="http://schemas.openxmlformats.org/officeDocument/2006/relationships" ax:classid="{8BD21D10-EC42-11CE-9E0D-00AA006002F3}" ax:persistence="persistStorage" r:id="rId1"/>
+</file>
+
+<file path=ppt/activeX/activeX32.xml><?xml version="1.0" encoding="utf-8"?>
+<ax:ocx xmlns:ax="http://schemas.microsoft.com/office/2006/activeX" xmlns:r="http://schemas.openxmlformats.org/officeDocument/2006/relationships" ax:classid="{8BD21D10-EC42-11CE-9E0D-00AA006002F3}" ax:persistence="persistStorage" r:id="rId1"/>
+</file>
+
+<file path=ppt/activeX/activeX33.xml><?xml version="1.0" encoding="utf-8"?>
+<ax:ocx xmlns:ax="http://schemas.microsoft.com/office/2006/activeX" xmlns:r="http://schemas.openxmlformats.org/officeDocument/2006/relationships" ax:classid="{8BD21D10-EC42-11CE-9E0D-00AA006002F3}" ax:persistence="persistStorage" r:id="rId1"/>
+</file>
+
+<file path=ppt/activeX/activeX34.xml><?xml version="1.0" encoding="utf-8"?>
+<ax:ocx xmlns:ax="http://schemas.microsoft.com/office/2006/activeX" xmlns:r="http://schemas.openxmlformats.org/officeDocument/2006/relationships" ax:classid="{8BD21D10-EC42-11CE-9E0D-00AA006002F3}" ax:persistence="persistStorage" r:id="rId1"/>
+</file>
+
+<file path=ppt/activeX/activeX35.xml><?xml version="1.0" encoding="utf-8"?>
+<ax:ocx xmlns:ax="http://schemas.microsoft.com/office/2006/activeX" xmlns:r="http://schemas.openxmlformats.org/officeDocument/2006/relationships" ax:classid="{8BD21D10-EC42-11CE-9E0D-00AA006002F3}" ax:persistence="persistStorage" r:id="rId1"/>
+</file>
+
+<file path=ppt/activeX/activeX36.xml><?xml version="1.0" encoding="utf-8"?>
+<ax:ocx xmlns:ax="http://schemas.microsoft.com/office/2006/activeX" xmlns:r="http://schemas.openxmlformats.org/officeDocument/2006/relationships" ax:classid="{8BD21D10-EC42-11CE-9E0D-00AA006002F3}" ax:persistence="persistStorage" r:id="rId1"/>
+</file>
+
+<file path=ppt/activeX/activeX37.xml><?xml version="1.0" encoding="utf-8"?>
+<ax:ocx xmlns:ax="http://schemas.microsoft.com/office/2006/activeX" xmlns:r="http://schemas.openxmlformats.org/officeDocument/2006/relationships" ax:classid="{D7053240-CE69-11CD-A777-00DD01143C57}" ax:persistence="persistStorage" r:id="rId1"/>
 </file>
 
 <file path=ppt/activeX/activeX4.xml><?xml version="1.0" encoding="utf-8"?>
@@ -268,7 +341,7 @@
           <a:p>
             <a:fld id="{0A94475A-BC70-42BF-A010-628209B8CFA2}" type="datetimeFigureOut">
               <a:rPr lang="en-US" smtClean="0"/>
-              <a:t>3/5/2019</a:t>
+              <a:t>3/9/2019</a:t>
             </a:fld>
             <a:endParaRPr lang="en-US"/>
           </a:p>
@@ -827,7 +900,7 @@
           <a:p>
             <a:fld id="{B1120E88-7FD3-41BA-BCE4-5C4C340A7F35}" type="datetimeFigureOut">
               <a:rPr lang="en-US" smtClean="0"/>
-              <a:t>3/5/2019</a:t>
+              <a:t>3/9/2019</a:t>
             </a:fld>
             <a:endParaRPr lang="en-US"/>
           </a:p>
@@ -997,7 +1070,7 @@
           <a:p>
             <a:fld id="{B1120E88-7FD3-41BA-BCE4-5C4C340A7F35}" type="datetimeFigureOut">
               <a:rPr lang="en-US" smtClean="0"/>
-              <a:t>3/5/2019</a:t>
+              <a:t>3/9/2019</a:t>
             </a:fld>
             <a:endParaRPr lang="en-US"/>
           </a:p>
@@ -1177,7 +1250,7 @@
           <a:p>
             <a:fld id="{B1120E88-7FD3-41BA-BCE4-5C4C340A7F35}" type="datetimeFigureOut">
               <a:rPr lang="en-US" smtClean="0"/>
-              <a:t>3/5/2019</a:t>
+              <a:t>3/9/2019</a:t>
             </a:fld>
             <a:endParaRPr lang="en-US"/>
           </a:p>
@@ -1347,7 +1420,7 @@
           <a:p>
             <a:fld id="{B1120E88-7FD3-41BA-BCE4-5C4C340A7F35}" type="datetimeFigureOut">
               <a:rPr lang="en-US" smtClean="0"/>
-              <a:t>3/5/2019</a:t>
+              <a:t>3/9/2019</a:t>
             </a:fld>
             <a:endParaRPr lang="en-US"/>
           </a:p>
@@ -1593,7 +1666,7 @@
           <a:p>
             <a:fld id="{B1120E88-7FD3-41BA-BCE4-5C4C340A7F35}" type="datetimeFigureOut">
               <a:rPr lang="en-US" smtClean="0"/>
-              <a:t>3/5/2019</a:t>
+              <a:t>3/9/2019</a:t>
             </a:fld>
             <a:endParaRPr lang="en-US"/>
           </a:p>
@@ -1881,7 +1954,7 @@
           <a:p>
             <a:fld id="{B1120E88-7FD3-41BA-BCE4-5C4C340A7F35}" type="datetimeFigureOut">
               <a:rPr lang="en-US" smtClean="0"/>
-              <a:t>3/5/2019</a:t>
+              <a:t>3/9/2019</a:t>
             </a:fld>
             <a:endParaRPr lang="en-US"/>
           </a:p>
@@ -2303,7 +2376,7 @@
           <a:p>
             <a:fld id="{B1120E88-7FD3-41BA-BCE4-5C4C340A7F35}" type="datetimeFigureOut">
               <a:rPr lang="en-US" smtClean="0"/>
-              <a:t>3/5/2019</a:t>
+              <a:t>3/9/2019</a:t>
             </a:fld>
             <a:endParaRPr lang="en-US"/>
           </a:p>
@@ -2421,7 +2494,7 @@
           <a:p>
             <a:fld id="{B1120E88-7FD3-41BA-BCE4-5C4C340A7F35}" type="datetimeFigureOut">
               <a:rPr lang="en-US" smtClean="0"/>
-              <a:t>3/5/2019</a:t>
+              <a:t>3/9/2019</a:t>
             </a:fld>
             <a:endParaRPr lang="en-US"/>
           </a:p>
@@ -2516,7 +2589,7 @@
           <a:p>
             <a:fld id="{B1120E88-7FD3-41BA-BCE4-5C4C340A7F35}" type="datetimeFigureOut">
               <a:rPr lang="en-US" smtClean="0"/>
-              <a:t>3/5/2019</a:t>
+              <a:t>3/9/2019</a:t>
             </a:fld>
             <a:endParaRPr lang="en-US"/>
           </a:p>
@@ -2793,7 +2866,7 @@
           <a:p>
             <a:fld id="{B1120E88-7FD3-41BA-BCE4-5C4C340A7F35}" type="datetimeFigureOut">
               <a:rPr lang="en-US" smtClean="0"/>
-              <a:t>3/5/2019</a:t>
+              <a:t>3/9/2019</a:t>
             </a:fld>
             <a:endParaRPr lang="en-US"/>
           </a:p>
@@ -3046,7 +3119,7 @@
           <a:p>
             <a:fld id="{B1120E88-7FD3-41BA-BCE4-5C4C340A7F35}" type="datetimeFigureOut">
               <a:rPr lang="en-US" smtClean="0"/>
-              <a:t>3/5/2019</a:t>
+              <a:t>3/9/2019</a:t>
             </a:fld>
             <a:endParaRPr lang="en-US"/>
           </a:p>
@@ -3259,7 +3332,7 @@
           <a:p>
             <a:fld id="{B1120E88-7FD3-41BA-BCE4-5C4C340A7F35}" type="datetimeFigureOut">
               <a:rPr lang="en-US" smtClean="0"/>
-              <a:t>3/5/2019</a:t>
+              <a:t>3/9/2019</a:t>
             </a:fld>
             <a:endParaRPr lang="en-US"/>
           </a:p>
@@ -3695,7 +3768,7 @@
           <p:nvPr/>
         </p:nvPicPr>
         <p:blipFill>
-          <a:blip r:embed="rId23">
+          <a:blip r:embed="rId26">
             <a:extLst>
               <a:ext uri="{28A0092B-C50C-407E-A947-70E740481C1C}">
                 <a14:useLocalDpi xmlns:a14="http://schemas.microsoft.com/office/drawing/2010/main" val="0"/>
@@ -4246,7 +4319,7 @@
         </p:nvSpPr>
         <p:spPr>
           <a:xfrm>
-            <a:off x="-40946" y="4600545"/>
+            <a:off x="-40946" y="5010090"/>
             <a:ext cx="784749" cy="400110"/>
           </a:xfrm>
           <a:prstGeom prst="rect">
@@ -4286,7 +4359,7 @@
         </p:nvSpPr>
         <p:spPr>
           <a:xfrm>
-            <a:off x="1447800" y="4219545"/>
+            <a:off x="1447800" y="4629090"/>
             <a:ext cx="228601" cy="400110"/>
           </a:xfrm>
           <a:prstGeom prst="rect">
@@ -4328,7 +4401,7 @@
         </p:nvSpPr>
         <p:spPr>
           <a:xfrm>
-            <a:off x="1447800" y="4600545"/>
+            <a:off x="1447800" y="5010090"/>
             <a:ext cx="228601" cy="400110"/>
           </a:xfrm>
           <a:prstGeom prst="rect">
@@ -4370,7 +4443,7 @@
         </p:nvSpPr>
         <p:spPr>
           <a:xfrm>
-            <a:off x="2" y="5000655"/>
+            <a:off x="2" y="5314890"/>
             <a:ext cx="2743199" cy="400110"/>
           </a:xfrm>
           <a:prstGeom prst="rect">
@@ -4410,7 +4483,7 @@
         </p:nvSpPr>
         <p:spPr>
           <a:xfrm>
-            <a:off x="881855" y="5286345"/>
+            <a:off x="881855" y="5619690"/>
             <a:ext cx="228601" cy="400110"/>
           </a:xfrm>
           <a:prstGeom prst="rect">
@@ -4448,7 +4521,7 @@
     <p:controls>
       <mc:AlternateContent xmlns:mc="http://schemas.openxmlformats.org/markup-compatibility/2006">
         <mc:Choice xmlns:v="urn:schemas-microsoft-com:vml" Requires="v">
-          <p:control spid="1026" name="TextBox1" r:id="rId2" imgW="1676520" imgH="304920"/>
+          <p:control spid="1048" name="TextBox1" r:id="rId2" imgW="1676520" imgH="304920"/>
         </mc:Choice>
         <mc:Fallback>
           <p:control name="TextBox1" r:id="rId2" imgW="1676520" imgH="304920">
@@ -4461,7 +4534,7 @@
                 <p:nvPr/>
               </p:nvPicPr>
               <p:blipFill>
-                <a:blip r:embed="rId24">
+                <a:blip r:embed="rId27">
                   <a:extLst>
                     <a:ext uri="{28A0092B-C50C-407E-A947-70E740481C1C}">
                       <a14:useLocalDpi xmlns:a14="http://schemas.microsoft.com/office/drawing/2010/main" val="0"/>
@@ -4482,13 +4555,24 @@
                   <a:avLst/>
                 </a:prstGeom>
                 <a:noFill/>
-                <a:ln w="9525">
-                  <a:miter lim="800000"/>
-                  <a:headEnd/>
-                  <a:tailEnd/>
+                <a:ln>
+                  <a:noFill/>
                 </a:ln>
                 <a:effectLst/>
                 <a:extLst>
+                  <a:ext uri="{909E8E84-426E-40DD-AFC4-6F175D3DCCD1}">
+                    <a14:hiddenFill xmlns:a14="http://schemas.microsoft.com/office/drawing/2010/main">
+                      <a:noFill/>
+                    </a14:hiddenFill>
+                  </a:ext>
+                  <a:ext uri="{91240B29-F687-4F45-9708-019B960494DF}">
+                    <a14:hiddenLine xmlns:a14="http://schemas.microsoft.com/office/drawing/2010/main" w="9525">
+                      <a:noFill/>
+                      <a:miter lim="800000"/>
+                      <a:headEnd/>
+                      <a:tailEnd/>
+                    </a14:hiddenLine>
+                  </a:ext>
                   <a:ext uri="{AF507438-7753-43E0-B8FC-AC1667EBCBE1}">
                     <a14:hiddenEffects xmlns:a14="http://schemas.microsoft.com/office/drawing/2010/main">
                       <a:effectLst>
@@ -4506,7 +4590,7 @@
       </mc:AlternateContent>
       <mc:AlternateContent xmlns:mc="http://schemas.openxmlformats.org/markup-compatibility/2006">
         <mc:Choice xmlns:v="urn:schemas-microsoft-com:vml" Requires="v">
-          <p:control spid="1030" name="ComboBox1" r:id="rId3" imgW="1676520" imgH="304920"/>
+          <p:control spid="1049" name="ComboBox1" r:id="rId3" imgW="1676520" imgH="304920"/>
         </mc:Choice>
         <mc:Fallback>
           <p:control name="ComboBox1" r:id="rId3" imgW="1676520" imgH="304920">
@@ -4519,7 +4603,7 @@
                 <p:nvPr/>
               </p:nvPicPr>
               <p:blipFill>
-                <a:blip r:embed="rId25">
+                <a:blip r:embed="rId28">
                   <a:extLst>
                     <a:ext uri="{28A0092B-C50C-407E-A947-70E740481C1C}">
                       <a14:useLocalDpi xmlns:a14="http://schemas.microsoft.com/office/drawing/2010/main" val="0"/>
@@ -4540,13 +4624,24 @@
                   <a:avLst/>
                 </a:prstGeom>
                 <a:noFill/>
-                <a:ln w="9525">
-                  <a:miter lim="800000"/>
-                  <a:headEnd/>
-                  <a:tailEnd/>
+                <a:ln>
+                  <a:noFill/>
                 </a:ln>
                 <a:effectLst/>
                 <a:extLst>
+                  <a:ext uri="{909E8E84-426E-40DD-AFC4-6F175D3DCCD1}">
+                    <a14:hiddenFill xmlns:a14="http://schemas.microsoft.com/office/drawing/2010/main">
+                      <a:noFill/>
+                    </a14:hiddenFill>
+                  </a:ext>
+                  <a:ext uri="{91240B29-F687-4F45-9708-019B960494DF}">
+                    <a14:hiddenLine xmlns:a14="http://schemas.microsoft.com/office/drawing/2010/main" w="9525">
+                      <a:noFill/>
+                      <a:miter lim="800000"/>
+                      <a:headEnd/>
+                      <a:tailEnd/>
+                    </a14:hiddenLine>
+                  </a:ext>
                   <a:ext uri="{AF507438-7753-43E0-B8FC-AC1667EBCBE1}">
                     <a14:hiddenEffects xmlns:a14="http://schemas.microsoft.com/office/drawing/2010/main">
                       <a:effectLst>
@@ -4564,7 +4659,7 @@
       </mc:AlternateContent>
       <mc:AlternateContent xmlns:mc="http://schemas.openxmlformats.org/markup-compatibility/2006">
         <mc:Choice xmlns:v="urn:schemas-microsoft-com:vml" Requires="v">
-          <p:control spid="1031" name="ComboBox2" r:id="rId4" imgW="1676520" imgH="304920"/>
+          <p:control spid="1050" name="ComboBox2" r:id="rId4" imgW="1676520" imgH="304920"/>
         </mc:Choice>
         <mc:Fallback>
           <p:control name="ComboBox2" r:id="rId4" imgW="1676520" imgH="304920">
@@ -4577,7 +4672,7 @@
                 <p:nvPr/>
               </p:nvPicPr>
               <p:blipFill>
-                <a:blip r:embed="rId25">
+                <a:blip r:embed="rId28">
                   <a:extLst>
                     <a:ext uri="{28A0092B-C50C-407E-A947-70E740481C1C}">
                       <a14:useLocalDpi xmlns:a14="http://schemas.microsoft.com/office/drawing/2010/main" val="0"/>
@@ -4598,13 +4693,24 @@
                   <a:avLst/>
                 </a:prstGeom>
                 <a:noFill/>
-                <a:ln w="9525">
-                  <a:miter lim="800000"/>
-                  <a:headEnd/>
-                  <a:tailEnd/>
+                <a:ln>
+                  <a:noFill/>
                 </a:ln>
                 <a:effectLst/>
                 <a:extLst>
+                  <a:ext uri="{909E8E84-426E-40DD-AFC4-6F175D3DCCD1}">
+                    <a14:hiddenFill xmlns:a14="http://schemas.microsoft.com/office/drawing/2010/main">
+                      <a:noFill/>
+                    </a14:hiddenFill>
+                  </a:ext>
+                  <a:ext uri="{91240B29-F687-4F45-9708-019B960494DF}">
+                    <a14:hiddenLine xmlns:a14="http://schemas.microsoft.com/office/drawing/2010/main" w="9525">
+                      <a:noFill/>
+                      <a:miter lim="800000"/>
+                      <a:headEnd/>
+                      <a:tailEnd/>
+                    </a14:hiddenLine>
+                  </a:ext>
                   <a:ext uri="{AF507438-7753-43E0-B8FC-AC1667EBCBE1}">
                     <a14:hiddenEffects xmlns:a14="http://schemas.microsoft.com/office/drawing/2010/main">
                       <a:effectLst>
@@ -4622,7 +4728,7 @@
       </mc:AlternateContent>
       <mc:AlternateContent xmlns:mc="http://schemas.openxmlformats.org/markup-compatibility/2006">
         <mc:Choice xmlns:v="urn:schemas-microsoft-com:vml" Requires="v">
-          <p:control spid="1032" name="TextBox2" r:id="rId5" imgW="1676520" imgH="304920"/>
+          <p:control spid="1051" name="TextBox2" r:id="rId5" imgW="1676520" imgH="304920"/>
         </mc:Choice>
         <mc:Fallback>
           <p:control name="TextBox2" r:id="rId5" imgW="1676520" imgH="304920">
@@ -4635,7 +4741,7 @@
                 <p:nvPr/>
               </p:nvPicPr>
               <p:blipFill>
-                <a:blip r:embed="rId24">
+                <a:blip r:embed="rId27">
                   <a:extLst>
                     <a:ext uri="{28A0092B-C50C-407E-A947-70E740481C1C}">
                       <a14:useLocalDpi xmlns:a14="http://schemas.microsoft.com/office/drawing/2010/main" val="0"/>
@@ -4656,13 +4762,24 @@
                   <a:avLst/>
                 </a:prstGeom>
                 <a:noFill/>
-                <a:ln w="9525">
-                  <a:miter lim="800000"/>
-                  <a:headEnd/>
-                  <a:tailEnd/>
+                <a:ln>
+                  <a:noFill/>
                 </a:ln>
                 <a:effectLst/>
                 <a:extLst>
+                  <a:ext uri="{909E8E84-426E-40DD-AFC4-6F175D3DCCD1}">
+                    <a14:hiddenFill xmlns:a14="http://schemas.microsoft.com/office/drawing/2010/main">
+                      <a:noFill/>
+                    </a14:hiddenFill>
+                  </a:ext>
+                  <a:ext uri="{91240B29-F687-4F45-9708-019B960494DF}">
+                    <a14:hiddenLine xmlns:a14="http://schemas.microsoft.com/office/drawing/2010/main" w="9525">
+                      <a:noFill/>
+                      <a:miter lim="800000"/>
+                      <a:headEnd/>
+                      <a:tailEnd/>
+                    </a14:hiddenLine>
+                  </a:ext>
                   <a:ext uri="{AF507438-7753-43E0-B8FC-AC1667EBCBE1}">
                     <a14:hiddenEffects xmlns:a14="http://schemas.microsoft.com/office/drawing/2010/main">
                       <a:effectLst>
@@ -4680,10 +4797,2439 @@
       </mc:AlternateContent>
       <mc:AlternateContent xmlns:mc="http://schemas.openxmlformats.org/markup-compatibility/2006">
         <mc:Choice xmlns:v="urn:schemas-microsoft-com:vml" Requires="v">
-          <p:control spid="1033" name="TextBox3" r:id="rId6" imgW="1676520" imgH="304920"/>
+          <p:control spid="1052" name="TextBox3" r:id="rId6" imgW="1676520" imgH="304920"/>
         </mc:Choice>
         <mc:Fallback>
           <p:control name="TextBox3" r:id="rId6" imgW="1676520" imgH="304920">
+            <p:pic>
+              <p:nvPicPr>
+                <p:cNvPr id="0" name="TextBox3"/>
+                <p:cNvPicPr preferRelativeResize="0">
+                  <a:picLocks noChangeArrowheads="1" noChangeShapeType="1"/>
+                </p:cNvPicPr>
+                <p:nvPr/>
+              </p:nvPicPr>
+              <p:blipFill>
+                <a:blip r:embed="rId27">
+                  <a:extLst>
+                    <a:ext uri="{28A0092B-C50C-407E-A947-70E740481C1C}">
+                      <a14:useLocalDpi xmlns:a14="http://schemas.microsoft.com/office/drawing/2010/main" val="0"/>
+                    </a:ext>
+                  </a:extLst>
+                </a:blip>
+                <a:srcRect/>
+                <a:stretch>
+                  <a:fillRect/>
+                </a:stretch>
+              </p:blipFill>
+              <p:spPr bwMode="auto">
+                <a:xfrm>
+                  <a:off x="0" y="3581400"/>
+                  <a:ext cx="1676400" cy="304800"/>
+                </a:xfrm>
+                <a:prstGeom prst="rect">
+                  <a:avLst/>
+                </a:prstGeom>
+                <a:noFill/>
+                <a:ln>
+                  <a:noFill/>
+                </a:ln>
+                <a:effectLst/>
+                <a:extLst>
+                  <a:ext uri="{909E8E84-426E-40DD-AFC4-6F175D3DCCD1}">
+                    <a14:hiddenFill xmlns:a14="http://schemas.microsoft.com/office/drawing/2010/main">
+                      <a:noFill/>
+                    </a14:hiddenFill>
+                  </a:ext>
+                  <a:ext uri="{91240B29-F687-4F45-9708-019B960494DF}">
+                    <a14:hiddenLine xmlns:a14="http://schemas.microsoft.com/office/drawing/2010/main" w="9525">
+                      <a:noFill/>
+                      <a:miter lim="800000"/>
+                      <a:headEnd/>
+                      <a:tailEnd/>
+                    </a14:hiddenLine>
+                  </a:ext>
+                  <a:ext uri="{AF507438-7753-43E0-B8FC-AC1667EBCBE1}">
+                    <a14:hiddenEffects xmlns:a14="http://schemas.microsoft.com/office/drawing/2010/main">
+                      <a:effectLst>
+                        <a:outerShdw dist="35921" dir="2700000" algn="ctr" rotWithShape="0">
+                          <a:schemeClr val="bg2"/>
+                        </a:outerShdw>
+                      </a:effectLst>
+                    </a14:hiddenEffects>
+                  </a:ext>
+                </a:extLst>
+              </p:spPr>
+            </p:pic>
+          </p:control>
+        </mc:Fallback>
+      </mc:AlternateContent>
+      <mc:AlternateContent xmlns:mc="http://schemas.openxmlformats.org/markup-compatibility/2006">
+        <mc:Choice xmlns:v="urn:schemas-microsoft-com:vml" Requires="v">
+          <p:control spid="1054" name="TextBox5" r:id="rId7" imgW="838080" imgH="304920"/>
+        </mc:Choice>
+        <mc:Fallback>
+          <p:control name="TextBox5" r:id="rId7" imgW="838080" imgH="304920">
+            <p:pic>
+              <p:nvPicPr>
+                <p:cNvPr id="0" name="TextBox5"/>
+                <p:cNvPicPr preferRelativeResize="0">
+                  <a:picLocks noChangeArrowheads="1" noChangeShapeType="1"/>
+                </p:cNvPicPr>
+                <p:nvPr/>
+              </p:nvPicPr>
+              <p:blipFill>
+                <a:blip r:embed="rId29">
+                  <a:extLst>
+                    <a:ext uri="{28A0092B-C50C-407E-A947-70E740481C1C}">
+                      <a14:useLocalDpi xmlns:a14="http://schemas.microsoft.com/office/drawing/2010/main" val="0"/>
+                    </a:ext>
+                  </a:extLst>
+                </a:blip>
+                <a:srcRect/>
+                <a:stretch>
+                  <a:fillRect/>
+                </a:stretch>
+              </p:blipFill>
+              <p:spPr bwMode="auto">
+                <a:xfrm>
+                  <a:off x="609600" y="4648200"/>
+                  <a:ext cx="838200" cy="304800"/>
+                </a:xfrm>
+                <a:prstGeom prst="rect">
+                  <a:avLst/>
+                </a:prstGeom>
+                <a:noFill/>
+                <a:ln>
+                  <a:noFill/>
+                </a:ln>
+                <a:effectLst/>
+                <a:extLst>
+                  <a:ext uri="{909E8E84-426E-40DD-AFC4-6F175D3DCCD1}">
+                    <a14:hiddenFill xmlns:a14="http://schemas.microsoft.com/office/drawing/2010/main">
+                      <a:noFill/>
+                    </a14:hiddenFill>
+                  </a:ext>
+                  <a:ext uri="{91240B29-F687-4F45-9708-019B960494DF}">
+                    <a14:hiddenLine xmlns:a14="http://schemas.microsoft.com/office/drawing/2010/main" w="9525">
+                      <a:noFill/>
+                      <a:miter lim="800000"/>
+                      <a:headEnd/>
+                      <a:tailEnd/>
+                    </a14:hiddenLine>
+                  </a:ext>
+                  <a:ext uri="{AF507438-7753-43E0-B8FC-AC1667EBCBE1}">
+                    <a14:hiddenEffects xmlns:a14="http://schemas.microsoft.com/office/drawing/2010/main">
+                      <a:effectLst>
+                        <a:outerShdw dist="35921" dir="2700000" algn="ctr" rotWithShape="0">
+                          <a:schemeClr val="bg2"/>
+                        </a:outerShdw>
+                      </a:effectLst>
+                    </a14:hiddenEffects>
+                  </a:ext>
+                </a:extLst>
+              </p:spPr>
+            </p:pic>
+          </p:control>
+        </mc:Fallback>
+      </mc:AlternateContent>
+      <mc:AlternateContent xmlns:mc="http://schemas.openxmlformats.org/markup-compatibility/2006">
+        <mc:Choice xmlns:v="urn:schemas-microsoft-com:vml" Requires="v">
+          <p:control spid="1055" name="TextBox6" r:id="rId8" imgW="838080" imgH="304920"/>
+        </mc:Choice>
+        <mc:Fallback>
+          <p:control name="TextBox6" r:id="rId8" imgW="838080" imgH="304920">
+            <p:pic>
+              <p:nvPicPr>
+                <p:cNvPr id="0" name="TextBox6"/>
+                <p:cNvPicPr preferRelativeResize="0">
+                  <a:picLocks noChangeArrowheads="1" noChangeShapeType="1"/>
+                </p:cNvPicPr>
+                <p:nvPr/>
+              </p:nvPicPr>
+              <p:blipFill>
+                <a:blip r:embed="rId30">
+                  <a:extLst>
+                    <a:ext uri="{28A0092B-C50C-407E-A947-70E740481C1C}">
+                      <a14:useLocalDpi xmlns:a14="http://schemas.microsoft.com/office/drawing/2010/main" val="0"/>
+                    </a:ext>
+                  </a:extLst>
+                </a:blip>
+                <a:srcRect/>
+                <a:stretch>
+                  <a:fillRect/>
+                </a:stretch>
+              </p:blipFill>
+              <p:spPr bwMode="auto">
+                <a:xfrm>
+                  <a:off x="609600" y="4267200"/>
+                  <a:ext cx="457200" cy="304800"/>
+                </a:xfrm>
+                <a:prstGeom prst="rect">
+                  <a:avLst/>
+                </a:prstGeom>
+                <a:noFill/>
+                <a:ln>
+                  <a:noFill/>
+                </a:ln>
+                <a:effectLst/>
+                <a:extLst>
+                  <a:ext uri="{909E8E84-426E-40DD-AFC4-6F175D3DCCD1}">
+                    <a14:hiddenFill xmlns:a14="http://schemas.microsoft.com/office/drawing/2010/main">
+                      <a:noFill/>
+                    </a14:hiddenFill>
+                  </a:ext>
+                  <a:ext uri="{91240B29-F687-4F45-9708-019B960494DF}">
+                    <a14:hiddenLine xmlns:a14="http://schemas.microsoft.com/office/drawing/2010/main" w="9525">
+                      <a:noFill/>
+                      <a:miter lim="800000"/>
+                      <a:headEnd/>
+                      <a:tailEnd/>
+                    </a14:hiddenLine>
+                  </a:ext>
+                  <a:ext uri="{AF507438-7753-43E0-B8FC-AC1667EBCBE1}">
+                    <a14:hiddenEffects xmlns:a14="http://schemas.microsoft.com/office/drawing/2010/main">
+                      <a:effectLst>
+                        <a:outerShdw dist="35921" dir="2700000" algn="ctr" rotWithShape="0">
+                          <a:schemeClr val="bg2"/>
+                        </a:outerShdw>
+                      </a:effectLst>
+                    </a14:hiddenEffects>
+                  </a:ext>
+                </a:extLst>
+              </p:spPr>
+            </p:pic>
+          </p:control>
+        </mc:Fallback>
+      </mc:AlternateContent>
+      <mc:AlternateContent xmlns:mc="http://schemas.openxmlformats.org/markup-compatibility/2006">
+        <mc:Choice xmlns:v="urn:schemas-microsoft-com:vml" Requires="v">
+          <p:control spid="1056" name="TextBox7" r:id="rId9" imgW="838080" imgH="304920"/>
+        </mc:Choice>
+        <mc:Fallback>
+          <p:control name="TextBox7" r:id="rId9" imgW="838080" imgH="304920">
+            <p:pic>
+              <p:nvPicPr>
+                <p:cNvPr id="0" name="TextBox7"/>
+                <p:cNvPicPr preferRelativeResize="0">
+                  <a:picLocks noChangeArrowheads="1" noChangeShapeType="1"/>
+                </p:cNvPicPr>
+                <p:nvPr/>
+              </p:nvPicPr>
+              <p:blipFill>
+                <a:blip r:embed="rId29">
+                  <a:extLst>
+                    <a:ext uri="{28A0092B-C50C-407E-A947-70E740481C1C}">
+                      <a14:useLocalDpi xmlns:a14="http://schemas.microsoft.com/office/drawing/2010/main" val="0"/>
+                    </a:ext>
+                  </a:extLst>
+                </a:blip>
+                <a:srcRect/>
+                <a:stretch>
+                  <a:fillRect/>
+                </a:stretch>
+              </p:blipFill>
+              <p:spPr bwMode="auto">
+                <a:xfrm>
+                  <a:off x="609600" y="4648200"/>
+                  <a:ext cx="838200" cy="304800"/>
+                </a:xfrm>
+                <a:prstGeom prst="rect">
+                  <a:avLst/>
+                </a:prstGeom>
+                <a:noFill/>
+                <a:ln>
+                  <a:noFill/>
+                </a:ln>
+                <a:effectLst/>
+                <a:extLst>
+                  <a:ext uri="{909E8E84-426E-40DD-AFC4-6F175D3DCCD1}">
+                    <a14:hiddenFill xmlns:a14="http://schemas.microsoft.com/office/drawing/2010/main">
+                      <a:noFill/>
+                    </a14:hiddenFill>
+                  </a:ext>
+                  <a:ext uri="{91240B29-F687-4F45-9708-019B960494DF}">
+                    <a14:hiddenLine xmlns:a14="http://schemas.microsoft.com/office/drawing/2010/main" w="9525">
+                      <a:noFill/>
+                      <a:miter lim="800000"/>
+                      <a:headEnd/>
+                      <a:tailEnd/>
+                    </a14:hiddenLine>
+                  </a:ext>
+                  <a:ext uri="{AF507438-7753-43E0-B8FC-AC1667EBCBE1}">
+                    <a14:hiddenEffects xmlns:a14="http://schemas.microsoft.com/office/drawing/2010/main">
+                      <a:effectLst>
+                        <a:outerShdw dist="35921" dir="2700000" algn="ctr" rotWithShape="0">
+                          <a:schemeClr val="bg2"/>
+                        </a:outerShdw>
+                      </a:effectLst>
+                    </a14:hiddenEffects>
+                  </a:ext>
+                </a:extLst>
+              </p:spPr>
+            </p:pic>
+          </p:control>
+        </mc:Fallback>
+      </mc:AlternateContent>
+      <mc:AlternateContent xmlns:mc="http://schemas.openxmlformats.org/markup-compatibility/2006">
+        <mc:Choice xmlns:v="urn:schemas-microsoft-com:vml" Requires="v">
+          <p:control spid="1058" name="TextBox9" r:id="rId10" imgW="838080" imgH="304920"/>
+        </mc:Choice>
+        <mc:Fallback>
+          <p:control name="TextBox9" r:id="rId10" imgW="838080" imgH="304920">
+            <p:pic>
+              <p:nvPicPr>
+                <p:cNvPr id="0" name="TextBox9"/>
+                <p:cNvPicPr preferRelativeResize="0">
+                  <a:picLocks noChangeArrowheads="1" noChangeShapeType="1"/>
+                </p:cNvPicPr>
+                <p:nvPr/>
+              </p:nvPicPr>
+              <p:blipFill>
+                <a:blip r:embed="rId29">
+                  <a:extLst>
+                    <a:ext uri="{28A0092B-C50C-407E-A947-70E740481C1C}">
+                      <a14:useLocalDpi xmlns:a14="http://schemas.microsoft.com/office/drawing/2010/main" val="0"/>
+                    </a:ext>
+                  </a:extLst>
+                </a:blip>
+                <a:srcRect/>
+                <a:stretch>
+                  <a:fillRect/>
+                </a:stretch>
+              </p:blipFill>
+              <p:spPr bwMode="auto">
+                <a:xfrm>
+                  <a:off x="1752600" y="5029200"/>
+                  <a:ext cx="838200" cy="304800"/>
+                </a:xfrm>
+                <a:prstGeom prst="rect">
+                  <a:avLst/>
+                </a:prstGeom>
+                <a:noFill/>
+                <a:ln>
+                  <a:noFill/>
+                </a:ln>
+                <a:effectLst/>
+                <a:extLst>
+                  <a:ext uri="{909E8E84-426E-40DD-AFC4-6F175D3DCCD1}">
+                    <a14:hiddenFill xmlns:a14="http://schemas.microsoft.com/office/drawing/2010/main">
+                      <a:noFill/>
+                    </a14:hiddenFill>
+                  </a:ext>
+                  <a:ext uri="{91240B29-F687-4F45-9708-019B960494DF}">
+                    <a14:hiddenLine xmlns:a14="http://schemas.microsoft.com/office/drawing/2010/main" w="9525">
+                      <a:noFill/>
+                      <a:miter lim="800000"/>
+                      <a:headEnd/>
+                      <a:tailEnd/>
+                    </a14:hiddenLine>
+                  </a:ext>
+                  <a:ext uri="{AF507438-7753-43E0-B8FC-AC1667EBCBE1}">
+                    <a14:hiddenEffects xmlns:a14="http://schemas.microsoft.com/office/drawing/2010/main">
+                      <a:effectLst>
+                        <a:outerShdw dist="35921" dir="2700000" algn="ctr" rotWithShape="0">
+                          <a:schemeClr val="bg2"/>
+                        </a:outerShdw>
+                      </a:effectLst>
+                    </a14:hiddenEffects>
+                  </a:ext>
+                </a:extLst>
+              </p:spPr>
+            </p:pic>
+          </p:control>
+        </mc:Fallback>
+      </mc:AlternateContent>
+      <mc:AlternateContent xmlns:mc="http://schemas.openxmlformats.org/markup-compatibility/2006">
+        <mc:Choice xmlns:v="urn:schemas-microsoft-com:vml" Requires="v">
+          <p:control spid="1060" name="TextBox11" r:id="rId11" imgW="838080" imgH="304920"/>
+        </mc:Choice>
+        <mc:Fallback>
+          <p:control name="TextBox11" r:id="rId11" imgW="838080" imgH="304920">
+            <p:pic>
+              <p:nvPicPr>
+                <p:cNvPr id="0" name="TextBox11"/>
+                <p:cNvPicPr preferRelativeResize="0">
+                  <a:picLocks noChangeArrowheads="1" noChangeShapeType="1"/>
+                </p:cNvPicPr>
+                <p:nvPr/>
+              </p:nvPicPr>
+              <p:blipFill>
+                <a:blip r:embed="rId29">
+                  <a:extLst>
+                    <a:ext uri="{28A0092B-C50C-407E-A947-70E740481C1C}">
+                      <a14:useLocalDpi xmlns:a14="http://schemas.microsoft.com/office/drawing/2010/main" val="0"/>
+                    </a:ext>
+                  </a:extLst>
+                </a:blip>
+                <a:srcRect/>
+                <a:stretch>
+                  <a:fillRect/>
+                </a:stretch>
+              </p:blipFill>
+              <p:spPr bwMode="auto">
+                <a:xfrm>
+                  <a:off x="609600" y="5029200"/>
+                  <a:ext cx="838200" cy="304800"/>
+                </a:xfrm>
+                <a:prstGeom prst="rect">
+                  <a:avLst/>
+                </a:prstGeom>
+                <a:noFill/>
+                <a:ln>
+                  <a:noFill/>
+                </a:ln>
+                <a:effectLst/>
+                <a:extLst>
+                  <a:ext uri="{909E8E84-426E-40DD-AFC4-6F175D3DCCD1}">
+                    <a14:hiddenFill xmlns:a14="http://schemas.microsoft.com/office/drawing/2010/main">
+                      <a:noFill/>
+                    </a14:hiddenFill>
+                  </a:ext>
+                  <a:ext uri="{91240B29-F687-4F45-9708-019B960494DF}">
+                    <a14:hiddenLine xmlns:a14="http://schemas.microsoft.com/office/drawing/2010/main" w="9525">
+                      <a:noFill/>
+                      <a:miter lim="800000"/>
+                      <a:headEnd/>
+                      <a:tailEnd/>
+                    </a14:hiddenLine>
+                  </a:ext>
+                  <a:ext uri="{AF507438-7753-43E0-B8FC-AC1667EBCBE1}">
+                    <a14:hiddenEffects xmlns:a14="http://schemas.microsoft.com/office/drawing/2010/main">
+                      <a:effectLst>
+                        <a:outerShdw dist="35921" dir="2700000" algn="ctr" rotWithShape="0">
+                          <a:schemeClr val="bg2"/>
+                        </a:outerShdw>
+                      </a:effectLst>
+                    </a14:hiddenEffects>
+                  </a:ext>
+                </a:extLst>
+              </p:spPr>
+            </p:pic>
+          </p:control>
+        </mc:Fallback>
+      </mc:AlternateContent>
+      <mc:AlternateContent xmlns:mc="http://schemas.openxmlformats.org/markup-compatibility/2006">
+        <mc:Choice xmlns:v="urn:schemas-microsoft-com:vml" Requires="v">
+          <p:control spid="1061" name="TextBox12" r:id="rId12" imgW="838080" imgH="304920"/>
+        </mc:Choice>
+        <mc:Fallback>
+          <p:control name="TextBox12" r:id="rId12" imgW="838080" imgH="304920">
+            <p:pic>
+              <p:nvPicPr>
+                <p:cNvPr id="0" name="TextBox12"/>
+                <p:cNvPicPr preferRelativeResize="0">
+                  <a:picLocks noChangeArrowheads="1" noChangeShapeType="1"/>
+                </p:cNvPicPr>
+                <p:nvPr/>
+              </p:nvPicPr>
+              <p:blipFill>
+                <a:blip r:embed="rId29">
+                  <a:extLst>
+                    <a:ext uri="{28A0092B-C50C-407E-A947-70E740481C1C}">
+                      <a14:useLocalDpi xmlns:a14="http://schemas.microsoft.com/office/drawing/2010/main" val="0"/>
+                    </a:ext>
+                  </a:extLst>
+                </a:blip>
+                <a:srcRect/>
+                <a:stretch>
+                  <a:fillRect/>
+                </a:stretch>
+              </p:blipFill>
+              <p:spPr bwMode="auto">
+                <a:xfrm>
+                  <a:off x="1752600" y="4648200"/>
+                  <a:ext cx="838200" cy="304800"/>
+                </a:xfrm>
+                <a:prstGeom prst="rect">
+                  <a:avLst/>
+                </a:prstGeom>
+                <a:noFill/>
+                <a:ln>
+                  <a:noFill/>
+                </a:ln>
+                <a:effectLst/>
+                <a:extLst>
+                  <a:ext uri="{909E8E84-426E-40DD-AFC4-6F175D3DCCD1}">
+                    <a14:hiddenFill xmlns:a14="http://schemas.microsoft.com/office/drawing/2010/main">
+                      <a:noFill/>
+                    </a14:hiddenFill>
+                  </a:ext>
+                  <a:ext uri="{91240B29-F687-4F45-9708-019B960494DF}">
+                    <a14:hiddenLine xmlns:a14="http://schemas.microsoft.com/office/drawing/2010/main" w="9525">
+                      <a:noFill/>
+                      <a:miter lim="800000"/>
+                      <a:headEnd/>
+                      <a:tailEnd/>
+                    </a14:hiddenLine>
+                  </a:ext>
+                  <a:ext uri="{AF507438-7753-43E0-B8FC-AC1667EBCBE1}">
+                    <a14:hiddenEffects xmlns:a14="http://schemas.microsoft.com/office/drawing/2010/main">
+                      <a:effectLst>
+                        <a:outerShdw dist="35921" dir="2700000" algn="ctr" rotWithShape="0">
+                          <a:schemeClr val="bg2"/>
+                        </a:outerShdw>
+                      </a:effectLst>
+                    </a14:hiddenEffects>
+                  </a:ext>
+                </a:extLst>
+              </p:spPr>
+            </p:pic>
+          </p:control>
+        </mc:Fallback>
+      </mc:AlternateContent>
+      <mc:AlternateContent xmlns:mc="http://schemas.openxmlformats.org/markup-compatibility/2006">
+        <mc:Choice xmlns:v="urn:schemas-microsoft-com:vml" Requires="v">
+          <p:control spid="1063" name="TextBox14" r:id="rId13" imgW="838080" imgH="304920"/>
+        </mc:Choice>
+        <mc:Fallback>
+          <p:control name="TextBox14" r:id="rId13" imgW="838080" imgH="304920">
+            <p:pic>
+              <p:nvPicPr>
+                <p:cNvPr id="0" name="TextBox14"/>
+                <p:cNvPicPr preferRelativeResize="0">
+                  <a:picLocks noChangeArrowheads="1" noChangeShapeType="1"/>
+                </p:cNvPicPr>
+                <p:nvPr/>
+              </p:nvPicPr>
+              <p:blipFill>
+                <a:blip r:embed="rId29">
+                  <a:extLst>
+                    <a:ext uri="{28A0092B-C50C-407E-A947-70E740481C1C}">
+                      <a14:useLocalDpi xmlns:a14="http://schemas.microsoft.com/office/drawing/2010/main" val="0"/>
+                    </a:ext>
+                  </a:extLst>
+                </a:blip>
+                <a:srcRect/>
+                <a:stretch>
+                  <a:fillRect/>
+                </a:stretch>
+              </p:blipFill>
+              <p:spPr bwMode="auto">
+                <a:xfrm>
+                  <a:off x="1219200" y="5638800"/>
+                  <a:ext cx="838200" cy="304800"/>
+                </a:xfrm>
+                <a:prstGeom prst="rect">
+                  <a:avLst/>
+                </a:prstGeom>
+                <a:noFill/>
+                <a:ln>
+                  <a:noFill/>
+                </a:ln>
+                <a:effectLst/>
+                <a:extLst>
+                  <a:ext uri="{909E8E84-426E-40DD-AFC4-6F175D3DCCD1}">
+                    <a14:hiddenFill xmlns:a14="http://schemas.microsoft.com/office/drawing/2010/main">
+                      <a:noFill/>
+                    </a14:hiddenFill>
+                  </a:ext>
+                  <a:ext uri="{91240B29-F687-4F45-9708-019B960494DF}">
+                    <a14:hiddenLine xmlns:a14="http://schemas.microsoft.com/office/drawing/2010/main" w="9525">
+                      <a:noFill/>
+                      <a:miter lim="800000"/>
+                      <a:headEnd/>
+                      <a:tailEnd/>
+                    </a14:hiddenLine>
+                  </a:ext>
+                  <a:ext uri="{AF507438-7753-43E0-B8FC-AC1667EBCBE1}">
+                    <a14:hiddenEffects xmlns:a14="http://schemas.microsoft.com/office/drawing/2010/main">
+                      <a:effectLst>
+                        <a:outerShdw dist="35921" dir="2700000" algn="ctr" rotWithShape="0">
+                          <a:schemeClr val="bg2"/>
+                        </a:outerShdw>
+                      </a:effectLst>
+                    </a14:hiddenEffects>
+                  </a:ext>
+                </a:extLst>
+              </p:spPr>
+            </p:pic>
+          </p:control>
+        </mc:Fallback>
+      </mc:AlternateContent>
+      <mc:AlternateContent xmlns:mc="http://schemas.openxmlformats.org/markup-compatibility/2006">
+        <mc:Choice xmlns:v="urn:schemas-microsoft-com:vml" Requires="v">
+          <p:control spid="1064" name="TextBox15" r:id="rId14" imgW="838080" imgH="304920"/>
+        </mc:Choice>
+        <mc:Fallback>
+          <p:control name="TextBox15" r:id="rId14" imgW="838080" imgH="304920">
+            <p:pic>
+              <p:nvPicPr>
+                <p:cNvPr id="0" name="TextBox15"/>
+                <p:cNvPicPr preferRelativeResize="0">
+                  <a:picLocks noChangeArrowheads="1" noChangeShapeType="1"/>
+                </p:cNvPicPr>
+                <p:nvPr/>
+              </p:nvPicPr>
+              <p:blipFill>
+                <a:blip r:embed="rId29">
+                  <a:extLst>
+                    <a:ext uri="{28A0092B-C50C-407E-A947-70E740481C1C}">
+                      <a14:useLocalDpi xmlns:a14="http://schemas.microsoft.com/office/drawing/2010/main" val="0"/>
+                    </a:ext>
+                  </a:extLst>
+                </a:blip>
+                <a:srcRect/>
+                <a:stretch>
+                  <a:fillRect/>
+                </a:stretch>
+              </p:blipFill>
+              <p:spPr bwMode="auto">
+                <a:xfrm>
+                  <a:off x="0" y="5638800"/>
+                  <a:ext cx="838200" cy="304800"/>
+                </a:xfrm>
+                <a:prstGeom prst="rect">
+                  <a:avLst/>
+                </a:prstGeom>
+                <a:noFill/>
+                <a:ln>
+                  <a:noFill/>
+                </a:ln>
+                <a:effectLst/>
+                <a:extLst>
+                  <a:ext uri="{909E8E84-426E-40DD-AFC4-6F175D3DCCD1}">
+                    <a14:hiddenFill xmlns:a14="http://schemas.microsoft.com/office/drawing/2010/main">
+                      <a:noFill/>
+                    </a14:hiddenFill>
+                  </a:ext>
+                  <a:ext uri="{91240B29-F687-4F45-9708-019B960494DF}">
+                    <a14:hiddenLine xmlns:a14="http://schemas.microsoft.com/office/drawing/2010/main" w="9525">
+                      <a:noFill/>
+                      <a:miter lim="800000"/>
+                      <a:headEnd/>
+                      <a:tailEnd/>
+                    </a14:hiddenLine>
+                  </a:ext>
+                  <a:ext uri="{AF507438-7753-43E0-B8FC-AC1667EBCBE1}">
+                    <a14:hiddenEffects xmlns:a14="http://schemas.microsoft.com/office/drawing/2010/main">
+                      <a:effectLst>
+                        <a:outerShdw dist="35921" dir="2700000" algn="ctr" rotWithShape="0">
+                          <a:schemeClr val="bg2"/>
+                        </a:outerShdw>
+                      </a:effectLst>
+                    </a14:hiddenEffects>
+                  </a:ext>
+                </a:extLst>
+              </p:spPr>
+            </p:pic>
+          </p:control>
+        </mc:Fallback>
+      </mc:AlternateContent>
+      <mc:AlternateContent xmlns:mc="http://schemas.openxmlformats.org/markup-compatibility/2006">
+        <mc:Choice xmlns:v="urn:schemas-microsoft-com:vml" Requires="v">
+          <p:control spid="1065" name="CheckBox1" r:id="rId15" imgW="2009880" imgH="304920"/>
+        </mc:Choice>
+        <mc:Fallback>
+          <p:control name="CheckBox1" r:id="rId15" imgW="2009880" imgH="304920">
+            <p:pic>
+              <p:nvPicPr>
+                <p:cNvPr id="0" name="CheckBox1"/>
+                <p:cNvPicPr preferRelativeResize="0">
+                  <a:picLocks noChangeArrowheads="1" noChangeShapeType="1"/>
+                </p:cNvPicPr>
+                <p:nvPr/>
+              </p:nvPicPr>
+              <p:blipFill>
+                <a:blip r:embed="rId31">
+                  <a:extLst>
+                    <a:ext uri="{28A0092B-C50C-407E-A947-70E740481C1C}">
+                      <a14:useLocalDpi xmlns:a14="http://schemas.microsoft.com/office/drawing/2010/main" val="0"/>
+                    </a:ext>
+                  </a:extLst>
+                </a:blip>
+                <a:srcRect/>
+                <a:stretch>
+                  <a:fillRect/>
+                </a:stretch>
+              </p:blipFill>
+              <p:spPr bwMode="auto">
+                <a:xfrm>
+                  <a:off x="0" y="5948363"/>
+                  <a:ext cx="1992313" cy="300037"/>
+                </a:xfrm>
+                <a:prstGeom prst="rect">
+                  <a:avLst/>
+                </a:prstGeom>
+                <a:noFill/>
+                <a:ln>
+                  <a:noFill/>
+                </a:ln>
+                <a:effectLst/>
+                <a:extLst>
+                  <a:ext uri="{909E8E84-426E-40DD-AFC4-6F175D3DCCD1}">
+                    <a14:hiddenFill xmlns:a14="http://schemas.microsoft.com/office/drawing/2010/main">
+                      <a:noFill/>
+                    </a14:hiddenFill>
+                  </a:ext>
+                  <a:ext uri="{91240B29-F687-4F45-9708-019B960494DF}">
+                    <a14:hiddenLine xmlns:a14="http://schemas.microsoft.com/office/drawing/2010/main" w="9525">
+                      <a:noFill/>
+                      <a:miter lim="800000"/>
+                      <a:headEnd/>
+                      <a:tailEnd/>
+                    </a14:hiddenLine>
+                  </a:ext>
+                  <a:ext uri="{AF507438-7753-43E0-B8FC-AC1667EBCBE1}">
+                    <a14:hiddenEffects xmlns:a14="http://schemas.microsoft.com/office/drawing/2010/main">
+                      <a:effectLst>
+                        <a:outerShdw dist="35921" dir="2700000" algn="ctr" rotWithShape="0">
+                          <a:schemeClr val="bg2"/>
+                        </a:outerShdw>
+                      </a:effectLst>
+                    </a14:hiddenEffects>
+                  </a:ext>
+                </a:extLst>
+              </p:spPr>
+            </p:pic>
+          </p:control>
+        </mc:Fallback>
+      </mc:AlternateContent>
+      <mc:AlternateContent xmlns:mc="http://schemas.openxmlformats.org/markup-compatibility/2006">
+        <mc:Choice xmlns:v="urn:schemas-microsoft-com:vml" Requires="v">
+          <p:control spid="1066" name="CommandButton1" r:id="rId16" imgW="1447920" imgH="457200"/>
+        </mc:Choice>
+        <mc:Fallback>
+          <p:control name="CommandButton1" r:id="rId16" imgW="1447920" imgH="457200">
+            <p:pic>
+              <p:nvPicPr>
+                <p:cNvPr id="0" name="CommandButton1"/>
+                <p:cNvPicPr preferRelativeResize="0">
+                  <a:picLocks noChangeArrowheads="1" noChangeShapeType="1"/>
+                </p:cNvPicPr>
+                <p:nvPr/>
+              </p:nvPicPr>
+              <p:blipFill>
+                <a:blip r:embed="rId32">
+                  <a:extLst>
+                    <a:ext uri="{28A0092B-C50C-407E-A947-70E740481C1C}">
+                      <a14:useLocalDpi xmlns:a14="http://schemas.microsoft.com/office/drawing/2010/main" val="0"/>
+                    </a:ext>
+                  </a:extLst>
+                </a:blip>
+                <a:srcRect/>
+                <a:stretch>
+                  <a:fillRect/>
+                </a:stretch>
+              </p:blipFill>
+              <p:spPr bwMode="auto">
+                <a:xfrm>
+                  <a:off x="609600" y="6324600"/>
+                  <a:ext cx="1447800" cy="457200"/>
+                </a:xfrm>
+                <a:prstGeom prst="rect">
+                  <a:avLst/>
+                </a:prstGeom>
+                <a:noFill/>
+                <a:ln>
+                  <a:noFill/>
+                </a:ln>
+                <a:effectLst/>
+                <a:extLst>
+                  <a:ext uri="{909E8E84-426E-40DD-AFC4-6F175D3DCCD1}">
+                    <a14:hiddenFill xmlns:a14="http://schemas.microsoft.com/office/drawing/2010/main">
+                      <a:noFill/>
+                    </a14:hiddenFill>
+                  </a:ext>
+                  <a:ext uri="{91240B29-F687-4F45-9708-019B960494DF}">
+                    <a14:hiddenLine xmlns:a14="http://schemas.microsoft.com/office/drawing/2010/main" w="9525">
+                      <a:noFill/>
+                      <a:miter lim="800000"/>
+                      <a:headEnd/>
+                      <a:tailEnd/>
+                    </a14:hiddenLine>
+                  </a:ext>
+                  <a:ext uri="{AF507438-7753-43E0-B8FC-AC1667EBCBE1}">
+                    <a14:hiddenEffects xmlns:a14="http://schemas.microsoft.com/office/drawing/2010/main">
+                      <a:effectLst>
+                        <a:outerShdw dist="35921" dir="2700000" algn="ctr" rotWithShape="0">
+                          <a:schemeClr val="bg2"/>
+                        </a:outerShdw>
+                      </a:effectLst>
+                    </a14:hiddenEffects>
+                  </a:ext>
+                </a:extLst>
+              </p:spPr>
+            </p:pic>
+          </p:control>
+        </mc:Fallback>
+      </mc:AlternateContent>
+      <mc:AlternateContent xmlns:mc="http://schemas.openxmlformats.org/markup-compatibility/2006">
+        <mc:Choice xmlns:v="urn:schemas-microsoft-com:vml" Requires="v">
+          <p:control spid="1067" name="TextBox13" r:id="rId17" imgW="838080" imgH="304920"/>
+        </mc:Choice>
+        <mc:Fallback>
+          <p:control name="TextBox13" r:id="rId17" imgW="838080" imgH="304920">
+            <p:pic>
+              <p:nvPicPr>
+                <p:cNvPr id="0" name="TextBox13"/>
+                <p:cNvPicPr preferRelativeResize="0">
+                  <a:picLocks noChangeArrowheads="1" noChangeShapeType="1"/>
+                </p:cNvPicPr>
+                <p:nvPr/>
+              </p:nvPicPr>
+              <p:blipFill>
+                <a:blip r:embed="rId33">
+                  <a:extLst>
+                    <a:ext uri="{28A0092B-C50C-407E-A947-70E740481C1C}">
+                      <a14:useLocalDpi xmlns:a14="http://schemas.microsoft.com/office/drawing/2010/main" val="0"/>
+                    </a:ext>
+                  </a:extLst>
+                </a:blip>
+                <a:srcRect/>
+                <a:stretch>
+                  <a:fillRect/>
+                </a:stretch>
+              </p:blipFill>
+              <p:spPr bwMode="auto">
+                <a:xfrm>
+                  <a:off x="1143000" y="4267200"/>
+                  <a:ext cx="533400" cy="304800"/>
+                </a:xfrm>
+                <a:prstGeom prst="rect">
+                  <a:avLst/>
+                </a:prstGeom>
+                <a:noFill/>
+                <a:ln>
+                  <a:noFill/>
+                </a:ln>
+                <a:effectLst/>
+                <a:extLst>
+                  <a:ext uri="{909E8E84-426E-40DD-AFC4-6F175D3DCCD1}">
+                    <a14:hiddenFill xmlns:a14="http://schemas.microsoft.com/office/drawing/2010/main">
+                      <a:noFill/>
+                    </a14:hiddenFill>
+                  </a:ext>
+                  <a:ext uri="{91240B29-F687-4F45-9708-019B960494DF}">
+                    <a14:hiddenLine xmlns:a14="http://schemas.microsoft.com/office/drawing/2010/main" w="9525">
+                      <a:noFill/>
+                      <a:miter lim="800000"/>
+                      <a:headEnd/>
+                      <a:tailEnd/>
+                    </a14:hiddenLine>
+                  </a:ext>
+                  <a:ext uri="{AF507438-7753-43E0-B8FC-AC1667EBCBE1}">
+                    <a14:hiddenEffects xmlns:a14="http://schemas.microsoft.com/office/drawing/2010/main">
+                      <a:effectLst>
+                        <a:outerShdw dist="35921" dir="2700000" algn="ctr" rotWithShape="0">
+                          <a:schemeClr val="bg2"/>
+                        </a:outerShdw>
+                      </a:effectLst>
+                    </a14:hiddenEffects>
+                  </a:ext>
+                </a:extLst>
+              </p:spPr>
+            </p:pic>
+          </p:control>
+        </mc:Fallback>
+      </mc:AlternateContent>
+      <mc:AlternateContent xmlns:mc="http://schemas.openxmlformats.org/markup-compatibility/2006">
+        <mc:Choice xmlns:v="urn:schemas-microsoft-com:vml" Requires="v">
+          <p:control spid="1068" name="TextBox4" r:id="rId18" imgW="838080" imgH="304920"/>
+        </mc:Choice>
+        <mc:Fallback>
+          <p:control name="TextBox4" r:id="rId18" imgW="838080" imgH="304920">
+            <p:pic>
+              <p:nvPicPr>
+                <p:cNvPr id="0" name="TextBox4"/>
+                <p:cNvPicPr preferRelativeResize="0">
+                  <a:picLocks noChangeArrowheads="1" noChangeShapeType="1"/>
+                </p:cNvPicPr>
+                <p:nvPr/>
+              </p:nvPicPr>
+              <p:blipFill>
+                <a:blip r:embed="rId29">
+                  <a:extLst>
+                    <a:ext uri="{28A0092B-C50C-407E-A947-70E740481C1C}">
+                      <a14:useLocalDpi xmlns:a14="http://schemas.microsoft.com/office/drawing/2010/main" val="0"/>
+                    </a:ext>
+                  </a:extLst>
+                </a:blip>
+                <a:srcRect/>
+                <a:stretch>
+                  <a:fillRect/>
+                </a:stretch>
+              </p:blipFill>
+              <p:spPr bwMode="auto">
+                <a:xfrm>
+                  <a:off x="1752600" y="4267200"/>
+                  <a:ext cx="838200" cy="304800"/>
+                </a:xfrm>
+                <a:prstGeom prst="rect">
+                  <a:avLst/>
+                </a:prstGeom>
+                <a:noFill/>
+                <a:ln>
+                  <a:noFill/>
+                </a:ln>
+                <a:effectLst/>
+                <a:extLst>
+                  <a:ext uri="{909E8E84-426E-40DD-AFC4-6F175D3DCCD1}">
+                    <a14:hiddenFill xmlns:a14="http://schemas.microsoft.com/office/drawing/2010/main">
+                      <a:noFill/>
+                    </a14:hiddenFill>
+                  </a:ext>
+                  <a:ext uri="{91240B29-F687-4F45-9708-019B960494DF}">
+                    <a14:hiddenLine xmlns:a14="http://schemas.microsoft.com/office/drawing/2010/main" w="9525">
+                      <a:noFill/>
+                      <a:miter lim="800000"/>
+                      <a:headEnd/>
+                      <a:tailEnd/>
+                    </a14:hiddenLine>
+                  </a:ext>
+                  <a:ext uri="{AF507438-7753-43E0-B8FC-AC1667EBCBE1}">
+                    <a14:hiddenEffects xmlns:a14="http://schemas.microsoft.com/office/drawing/2010/main">
+                      <a:effectLst>
+                        <a:outerShdw dist="35921" dir="2700000" algn="ctr" rotWithShape="0">
+                          <a:schemeClr val="bg2"/>
+                        </a:outerShdw>
+                      </a:effectLst>
+                    </a14:hiddenEffects>
+                  </a:ext>
+                </a:extLst>
+              </p:spPr>
+            </p:pic>
+          </p:control>
+        </mc:Fallback>
+      </mc:AlternateContent>
+      <mc:AlternateContent xmlns:mc="http://schemas.openxmlformats.org/markup-compatibility/2006">
+        <mc:Choice xmlns:v="urn:schemas-microsoft-com:vml" Requires="v">
+          <p:control spid="1069" name="TextBox8" r:id="rId19" imgW="838080" imgH="304920"/>
+        </mc:Choice>
+        <mc:Fallback>
+          <p:control name="TextBox8" r:id="rId19" imgW="838080" imgH="304920">
+            <p:pic>
+              <p:nvPicPr>
+                <p:cNvPr id="0" name="TextBox8"/>
+                <p:cNvPicPr preferRelativeResize="0">
+                  <a:picLocks noChangeArrowheads="1" noChangeShapeType="1"/>
+                </p:cNvPicPr>
+                <p:nvPr/>
+              </p:nvPicPr>
+              <p:blipFill>
+                <a:blip r:embed="rId30">
+                  <a:extLst>
+                    <a:ext uri="{28A0092B-C50C-407E-A947-70E740481C1C}">
+                      <a14:useLocalDpi xmlns:a14="http://schemas.microsoft.com/office/drawing/2010/main" val="0"/>
+                    </a:ext>
+                  </a:extLst>
+                </a:blip>
+                <a:srcRect/>
+                <a:stretch>
+                  <a:fillRect/>
+                </a:stretch>
+              </p:blipFill>
+              <p:spPr bwMode="auto">
+                <a:xfrm>
+                  <a:off x="609600" y="4267200"/>
+                  <a:ext cx="457200" cy="304800"/>
+                </a:xfrm>
+                <a:prstGeom prst="rect">
+                  <a:avLst/>
+                </a:prstGeom>
+                <a:noFill/>
+                <a:ln>
+                  <a:noFill/>
+                </a:ln>
+                <a:effectLst/>
+                <a:extLst>
+                  <a:ext uri="{909E8E84-426E-40DD-AFC4-6F175D3DCCD1}">
+                    <a14:hiddenFill xmlns:a14="http://schemas.microsoft.com/office/drawing/2010/main">
+                      <a:noFill/>
+                    </a14:hiddenFill>
+                  </a:ext>
+                  <a:ext uri="{91240B29-F687-4F45-9708-019B960494DF}">
+                    <a14:hiddenLine xmlns:a14="http://schemas.microsoft.com/office/drawing/2010/main" w="9525">
+                      <a:noFill/>
+                      <a:miter lim="800000"/>
+                      <a:headEnd/>
+                      <a:tailEnd/>
+                    </a14:hiddenLine>
+                  </a:ext>
+                  <a:ext uri="{AF507438-7753-43E0-B8FC-AC1667EBCBE1}">
+                    <a14:hiddenEffects xmlns:a14="http://schemas.microsoft.com/office/drawing/2010/main">
+                      <a:effectLst>
+                        <a:outerShdw dist="35921" dir="2700000" algn="ctr" rotWithShape="0">
+                          <a:schemeClr val="bg2"/>
+                        </a:outerShdw>
+                      </a:effectLst>
+                    </a14:hiddenEffects>
+                  </a:ext>
+                </a:extLst>
+              </p:spPr>
+            </p:pic>
+          </p:control>
+        </mc:Fallback>
+      </mc:AlternateContent>
+      <mc:AlternateContent xmlns:mc="http://schemas.openxmlformats.org/markup-compatibility/2006">
+        <mc:Choice xmlns:v="urn:schemas-microsoft-com:vml" Requires="v">
+          <p:control spid="1070" name="TextBox10" r:id="rId20" imgW="838080" imgH="304920"/>
+        </mc:Choice>
+        <mc:Fallback>
+          <p:control name="TextBox10" r:id="rId20" imgW="838080" imgH="304920">
+            <p:pic>
+              <p:nvPicPr>
+                <p:cNvPr id="0" name="TextBox10"/>
+                <p:cNvPicPr preferRelativeResize="0">
+                  <a:picLocks noChangeArrowheads="1" noChangeShapeType="1"/>
+                </p:cNvPicPr>
+                <p:nvPr/>
+              </p:nvPicPr>
+              <p:blipFill>
+                <a:blip r:embed="rId33">
+                  <a:extLst>
+                    <a:ext uri="{28A0092B-C50C-407E-A947-70E740481C1C}">
+                      <a14:useLocalDpi xmlns:a14="http://schemas.microsoft.com/office/drawing/2010/main" val="0"/>
+                    </a:ext>
+                  </a:extLst>
+                </a:blip>
+                <a:srcRect/>
+                <a:stretch>
+                  <a:fillRect/>
+                </a:stretch>
+              </p:blipFill>
+              <p:spPr bwMode="auto">
+                <a:xfrm>
+                  <a:off x="1143000" y="4267200"/>
+                  <a:ext cx="533400" cy="304800"/>
+                </a:xfrm>
+                <a:prstGeom prst="rect">
+                  <a:avLst/>
+                </a:prstGeom>
+                <a:noFill/>
+                <a:ln>
+                  <a:noFill/>
+                </a:ln>
+                <a:effectLst/>
+                <a:extLst>
+                  <a:ext uri="{909E8E84-426E-40DD-AFC4-6F175D3DCCD1}">
+                    <a14:hiddenFill xmlns:a14="http://schemas.microsoft.com/office/drawing/2010/main">
+                      <a:noFill/>
+                    </a14:hiddenFill>
+                  </a:ext>
+                  <a:ext uri="{91240B29-F687-4F45-9708-019B960494DF}">
+                    <a14:hiddenLine xmlns:a14="http://schemas.microsoft.com/office/drawing/2010/main" w="9525">
+                      <a:noFill/>
+                      <a:miter lim="800000"/>
+                      <a:headEnd/>
+                      <a:tailEnd/>
+                    </a14:hiddenLine>
+                  </a:ext>
+                  <a:ext uri="{AF507438-7753-43E0-B8FC-AC1667EBCBE1}">
+                    <a14:hiddenEffects xmlns:a14="http://schemas.microsoft.com/office/drawing/2010/main">
+                      <a:effectLst>
+                        <a:outerShdw dist="35921" dir="2700000" algn="ctr" rotWithShape="0">
+                          <a:schemeClr val="bg2"/>
+                        </a:outerShdw>
+                      </a:effectLst>
+                    </a14:hiddenEffects>
+                  </a:ext>
+                </a:extLst>
+              </p:spPr>
+            </p:pic>
+          </p:control>
+        </mc:Fallback>
+      </mc:AlternateContent>
+      <mc:AlternateContent xmlns:mc="http://schemas.openxmlformats.org/markup-compatibility/2006">
+        <mc:Choice xmlns:v="urn:schemas-microsoft-com:vml" Requires="v">
+          <p:control spid="1071" name="TextBox16" r:id="rId21" imgW="838080" imgH="304920"/>
+        </mc:Choice>
+        <mc:Fallback>
+          <p:control name="TextBox16" r:id="rId21" imgW="838080" imgH="304920">
+            <p:pic>
+              <p:nvPicPr>
+                <p:cNvPr id="0" name="TextBox16"/>
+                <p:cNvPicPr preferRelativeResize="0">
+                  <a:picLocks noChangeArrowheads="1" noChangeShapeType="1"/>
+                </p:cNvPicPr>
+                <p:nvPr/>
+              </p:nvPicPr>
+              <p:blipFill>
+                <a:blip r:embed="rId29">
+                  <a:extLst>
+                    <a:ext uri="{28A0092B-C50C-407E-A947-70E740481C1C}">
+                      <a14:useLocalDpi xmlns:a14="http://schemas.microsoft.com/office/drawing/2010/main" val="0"/>
+                    </a:ext>
+                  </a:extLst>
+                </a:blip>
+                <a:srcRect/>
+                <a:stretch>
+                  <a:fillRect/>
+                </a:stretch>
+              </p:blipFill>
+              <p:spPr bwMode="auto">
+                <a:xfrm>
+                  <a:off x="1752600" y="4267200"/>
+                  <a:ext cx="838200" cy="304800"/>
+                </a:xfrm>
+                <a:prstGeom prst="rect">
+                  <a:avLst/>
+                </a:prstGeom>
+                <a:noFill/>
+                <a:ln>
+                  <a:noFill/>
+                </a:ln>
+                <a:effectLst/>
+                <a:extLst>
+                  <a:ext uri="{909E8E84-426E-40DD-AFC4-6F175D3DCCD1}">
+                    <a14:hiddenFill xmlns:a14="http://schemas.microsoft.com/office/drawing/2010/main">
+                      <a:noFill/>
+                    </a14:hiddenFill>
+                  </a:ext>
+                  <a:ext uri="{91240B29-F687-4F45-9708-019B960494DF}">
+                    <a14:hiddenLine xmlns:a14="http://schemas.microsoft.com/office/drawing/2010/main" w="9525">
+                      <a:noFill/>
+                      <a:miter lim="800000"/>
+                      <a:headEnd/>
+                      <a:tailEnd/>
+                    </a14:hiddenLine>
+                  </a:ext>
+                  <a:ext uri="{AF507438-7753-43E0-B8FC-AC1667EBCBE1}">
+                    <a14:hiddenEffects xmlns:a14="http://schemas.microsoft.com/office/drawing/2010/main">
+                      <a:effectLst>
+                        <a:outerShdw dist="35921" dir="2700000" algn="ctr" rotWithShape="0">
+                          <a:schemeClr val="bg2"/>
+                        </a:outerShdw>
+                      </a:effectLst>
+                    </a14:hiddenEffects>
+                  </a:ext>
+                </a:extLst>
+              </p:spPr>
+            </p:pic>
+          </p:control>
+        </mc:Fallback>
+      </mc:AlternateContent>
+      <mc:AlternateContent xmlns:mc="http://schemas.openxmlformats.org/markup-compatibility/2006">
+        <mc:Choice xmlns:v="urn:schemas-microsoft-com:vml" Requires="v">
+          <p:control spid="1072" name="TextBox17" r:id="rId22" imgW="838080" imgH="304920"/>
+        </mc:Choice>
+        <mc:Fallback>
+          <p:control name="TextBox17" r:id="rId22" imgW="838080" imgH="304920">
+            <p:pic>
+              <p:nvPicPr>
+                <p:cNvPr id="0" name="TextBox17"/>
+                <p:cNvPicPr preferRelativeResize="0">
+                  <a:picLocks noChangeArrowheads="1" noChangeShapeType="1"/>
+                </p:cNvPicPr>
+                <p:nvPr/>
+              </p:nvPicPr>
+              <p:blipFill>
+                <a:blip r:embed="rId30">
+                  <a:extLst>
+                    <a:ext uri="{28A0092B-C50C-407E-A947-70E740481C1C}">
+                      <a14:useLocalDpi xmlns:a14="http://schemas.microsoft.com/office/drawing/2010/main" val="0"/>
+                    </a:ext>
+                  </a:extLst>
+                </a:blip>
+                <a:srcRect/>
+                <a:stretch>
+                  <a:fillRect/>
+                </a:stretch>
+              </p:blipFill>
+              <p:spPr bwMode="auto">
+                <a:xfrm>
+                  <a:off x="609600" y="4267200"/>
+                  <a:ext cx="457200" cy="304800"/>
+                </a:xfrm>
+                <a:prstGeom prst="rect">
+                  <a:avLst/>
+                </a:prstGeom>
+                <a:noFill/>
+                <a:ln>
+                  <a:noFill/>
+                </a:ln>
+                <a:effectLst/>
+                <a:extLst>
+                  <a:ext uri="{909E8E84-426E-40DD-AFC4-6F175D3DCCD1}">
+                    <a14:hiddenFill xmlns:a14="http://schemas.microsoft.com/office/drawing/2010/main">
+                      <a:noFill/>
+                    </a14:hiddenFill>
+                  </a:ext>
+                  <a:ext uri="{91240B29-F687-4F45-9708-019B960494DF}">
+                    <a14:hiddenLine xmlns:a14="http://schemas.microsoft.com/office/drawing/2010/main" w="9525">
+                      <a:noFill/>
+                      <a:miter lim="800000"/>
+                      <a:headEnd/>
+                      <a:tailEnd/>
+                    </a14:hiddenLine>
+                  </a:ext>
+                  <a:ext uri="{AF507438-7753-43E0-B8FC-AC1667EBCBE1}">
+                    <a14:hiddenEffects xmlns:a14="http://schemas.microsoft.com/office/drawing/2010/main">
+                      <a:effectLst>
+                        <a:outerShdw dist="35921" dir="2700000" algn="ctr" rotWithShape="0">
+                          <a:schemeClr val="bg2"/>
+                        </a:outerShdw>
+                      </a:effectLst>
+                    </a14:hiddenEffects>
+                  </a:ext>
+                </a:extLst>
+              </p:spPr>
+            </p:pic>
+          </p:control>
+        </mc:Fallback>
+      </mc:AlternateContent>
+      <mc:AlternateContent xmlns:mc="http://schemas.openxmlformats.org/markup-compatibility/2006">
+        <mc:Choice xmlns:v="urn:schemas-microsoft-com:vml" Requires="v">
+          <p:control spid="1073" name="TextBox18" r:id="rId23" imgW="838080" imgH="304920"/>
+        </mc:Choice>
+        <mc:Fallback>
+          <p:control name="TextBox18" r:id="rId23" imgW="838080" imgH="304920">
+            <p:pic>
+              <p:nvPicPr>
+                <p:cNvPr id="0" name="TextBox18"/>
+                <p:cNvPicPr preferRelativeResize="0">
+                  <a:picLocks noChangeArrowheads="1" noChangeShapeType="1"/>
+                </p:cNvPicPr>
+                <p:nvPr/>
+              </p:nvPicPr>
+              <p:blipFill>
+                <a:blip r:embed="rId33">
+                  <a:extLst>
+                    <a:ext uri="{28A0092B-C50C-407E-A947-70E740481C1C}">
+                      <a14:useLocalDpi xmlns:a14="http://schemas.microsoft.com/office/drawing/2010/main" val="0"/>
+                    </a:ext>
+                  </a:extLst>
+                </a:blip>
+                <a:srcRect/>
+                <a:stretch>
+                  <a:fillRect/>
+                </a:stretch>
+              </p:blipFill>
+              <p:spPr bwMode="auto">
+                <a:xfrm>
+                  <a:off x="1143000" y="4267200"/>
+                  <a:ext cx="533400" cy="304800"/>
+                </a:xfrm>
+                <a:prstGeom prst="rect">
+                  <a:avLst/>
+                </a:prstGeom>
+                <a:noFill/>
+                <a:ln>
+                  <a:noFill/>
+                </a:ln>
+                <a:effectLst/>
+                <a:extLst>
+                  <a:ext uri="{909E8E84-426E-40DD-AFC4-6F175D3DCCD1}">
+                    <a14:hiddenFill xmlns:a14="http://schemas.microsoft.com/office/drawing/2010/main">
+                      <a:noFill/>
+                    </a14:hiddenFill>
+                  </a:ext>
+                  <a:ext uri="{91240B29-F687-4F45-9708-019B960494DF}">
+                    <a14:hiddenLine xmlns:a14="http://schemas.microsoft.com/office/drawing/2010/main" w="9525">
+                      <a:noFill/>
+                      <a:miter lim="800000"/>
+                      <a:headEnd/>
+                      <a:tailEnd/>
+                    </a14:hiddenLine>
+                  </a:ext>
+                  <a:ext uri="{AF507438-7753-43E0-B8FC-AC1667EBCBE1}">
+                    <a14:hiddenEffects xmlns:a14="http://schemas.microsoft.com/office/drawing/2010/main">
+                      <a:effectLst>
+                        <a:outerShdw dist="35921" dir="2700000" algn="ctr" rotWithShape="0">
+                          <a:schemeClr val="bg2"/>
+                        </a:outerShdw>
+                      </a:effectLst>
+                    </a14:hiddenEffects>
+                  </a:ext>
+                </a:extLst>
+              </p:spPr>
+            </p:pic>
+          </p:control>
+        </mc:Fallback>
+      </mc:AlternateContent>
+    </p:controls>
+    <p:extLst>
+      <p:ext uri="{BB962C8B-B14F-4D97-AF65-F5344CB8AC3E}">
+        <p14:creationId xmlns:p14="http://schemas.microsoft.com/office/powerpoint/2010/main" val="3695482872"/>
+      </p:ext>
+    </p:extLst>
+  </p:cSld>
+  <p:clrMapOvr>
+    <a:masterClrMapping/>
+  </p:clrMapOvr>
+  <p:timing>
+    <p:tnLst>
+      <p:par>
+        <p:cTn id="1" dur="indefinite" restart="never" nodeType="tmRoot"/>
+      </p:par>
+    </p:tnLst>
+  </p:timing>
+</p:sld>
+</file>
+
+<file path=ppt/slides/slide2.xml><?xml version="1.0" encoding="utf-8"?>
+<p:sld xmlns:a="http://schemas.openxmlformats.org/drawingml/2006/main" xmlns:r="http://schemas.openxmlformats.org/officeDocument/2006/relationships" xmlns:p="http://schemas.openxmlformats.org/presentationml/2006/main">
+  <p:cSld>
+    <p:spTree>
+      <p:nvGrpSpPr>
+        <p:cNvPr id="1" name=""/>
+        <p:cNvGrpSpPr/>
+        <p:nvPr/>
+      </p:nvGrpSpPr>
+      <p:grpSpPr>
+        <a:xfrm>
+          <a:off x="0" y="0"/>
+          <a:ext cx="0" cy="0"/>
+          <a:chOff x="0" y="0"/>
+          <a:chExt cx="0" cy="0"/>
+        </a:xfrm>
+      </p:grpSpPr>
+      <p:sp>
+        <p:nvSpPr>
+          <p:cNvPr id="4" name="Rectangle 3"/>
+          <p:cNvSpPr/>
+          <p:nvPr/>
+        </p:nvSpPr>
+        <p:spPr>
+          <a:xfrm>
+            <a:off x="0" y="0"/>
+            <a:ext cx="2743199" cy="6858000"/>
+          </a:xfrm>
+          <a:prstGeom prst="rect">
+            <a:avLst/>
+          </a:prstGeom>
+          <a:solidFill>
+            <a:schemeClr val="accent4">
+              <a:lumMod val="50000"/>
+            </a:schemeClr>
+          </a:solidFill>
+          <a:ln>
+            <a:solidFill>
+              <a:schemeClr val="accent4">
+                <a:lumMod val="50000"/>
+              </a:schemeClr>
+            </a:solidFill>
+          </a:ln>
+        </p:spPr>
+        <p:style>
+          <a:lnRef idx="2">
+            <a:schemeClr val="accent4">
+              <a:shade val="50000"/>
+            </a:schemeClr>
+          </a:lnRef>
+          <a:fillRef idx="1">
+            <a:schemeClr val="accent4"/>
+          </a:fillRef>
+          <a:effectRef idx="0">
+            <a:schemeClr val="accent4"/>
+          </a:effectRef>
+          <a:fontRef idx="minor">
+            <a:schemeClr val="lt1"/>
+          </a:fontRef>
+        </p:style>
+        <p:txBody>
+          <a:bodyPr rtlCol="0" anchor="ctr"/>
+          <a:lstStyle/>
+          <a:p>
+            <a:pPr algn="ctr"/>
+            <a:endParaRPr lang="en-US"/>
+          </a:p>
+        </p:txBody>
+      </p:sp>
+      <p:pic>
+        <p:nvPicPr>
+          <p:cNvPr id="6" name="Picture 5"/>
+          <p:cNvPicPr>
+            <a:picLocks noChangeAspect="1"/>
+          </p:cNvPicPr>
+          <p:nvPr/>
+        </p:nvPicPr>
+        <p:blipFill>
+          <a:blip r:embed="rId18">
+            <a:extLst>
+              <a:ext uri="{28A0092B-C50C-407E-A947-70E740481C1C}">
+                <a14:useLocalDpi xmlns:a14="http://schemas.microsoft.com/office/drawing/2010/main" val="0"/>
+              </a:ext>
+            </a:extLst>
+          </a:blip>
+          <a:stretch>
+            <a:fillRect/>
+          </a:stretch>
+        </p:blipFill>
+        <p:spPr>
+          <a:xfrm>
+            <a:off x="2762533" y="954252"/>
+            <a:ext cx="6381467" cy="5903748"/>
+          </a:xfrm>
+          <a:prstGeom prst="rect">
+            <a:avLst/>
+          </a:prstGeom>
+        </p:spPr>
+      </p:pic>
+      <p:sp>
+        <p:nvSpPr>
+          <p:cNvPr id="7" name="Rectangle 6"/>
+          <p:cNvSpPr/>
+          <p:nvPr/>
+        </p:nvSpPr>
+        <p:spPr>
+          <a:xfrm>
+            <a:off x="2762532" y="0"/>
+            <a:ext cx="6381467" cy="954252"/>
+          </a:xfrm>
+          <a:prstGeom prst="rect">
+            <a:avLst/>
+          </a:prstGeom>
+          <a:solidFill>
+            <a:schemeClr val="tx2">
+              <a:lumMod val="50000"/>
+            </a:schemeClr>
+          </a:solidFill>
+          <a:ln>
+            <a:solidFill>
+              <a:schemeClr val="tx2">
+                <a:lumMod val="50000"/>
+              </a:schemeClr>
+            </a:solidFill>
+          </a:ln>
+        </p:spPr>
+        <p:style>
+          <a:lnRef idx="2">
+            <a:schemeClr val="accent1">
+              <a:shade val="50000"/>
+            </a:schemeClr>
+          </a:lnRef>
+          <a:fillRef idx="1">
+            <a:schemeClr val="accent1"/>
+          </a:fillRef>
+          <a:effectRef idx="0">
+            <a:schemeClr val="accent1"/>
+          </a:effectRef>
+          <a:fontRef idx="minor">
+            <a:schemeClr val="lt1"/>
+          </a:fontRef>
+        </p:style>
+        <p:txBody>
+          <a:bodyPr rtlCol="0" anchor="ctr"/>
+          <a:lstStyle/>
+          <a:p>
+            <a:pPr algn="ctr"/>
+            <a:endParaRPr lang="en-US"/>
+          </a:p>
+        </p:txBody>
+      </p:sp>
+      <p:sp>
+        <p:nvSpPr>
+          <p:cNvPr id="8" name="TextBox 7"/>
+          <p:cNvSpPr txBox="1"/>
+          <p:nvPr/>
+        </p:nvSpPr>
+        <p:spPr>
+          <a:xfrm>
+            <a:off x="2743200" y="0"/>
+            <a:ext cx="6400800" cy="646331"/>
+          </a:xfrm>
+          <a:prstGeom prst="rect">
+            <a:avLst/>
+          </a:prstGeom>
+          <a:noFill/>
+        </p:spPr>
+        <p:txBody>
+          <a:bodyPr wrap="square" rtlCol="0">
+            <a:spAutoFit/>
+          </a:bodyPr>
+          <a:lstStyle/>
+          <a:p>
+            <a:pPr algn="ctr"/>
+            <a:r>
+              <a:rPr lang="en-US" sz="3600" dirty="0" smtClean="0">
+                <a:solidFill>
+                  <a:schemeClr val="bg1"/>
+                </a:solidFill>
+                <a:latin typeface="CF Spaceship" pitchFamily="2" charset="0"/>
+              </a:rPr>
+              <a:t>STAR NAME</a:t>
+            </a:r>
+            <a:endParaRPr lang="en-US" sz="3600" dirty="0">
+              <a:solidFill>
+                <a:schemeClr val="bg1"/>
+              </a:solidFill>
+              <a:latin typeface="CF Spaceship" pitchFamily="2" charset="0"/>
+            </a:endParaRPr>
+          </a:p>
+        </p:txBody>
+      </p:sp>
+      <p:sp>
+        <p:nvSpPr>
+          <p:cNvPr id="9" name="TextBox 8"/>
+          <p:cNvSpPr txBox="1"/>
+          <p:nvPr/>
+        </p:nvSpPr>
+        <p:spPr>
+          <a:xfrm>
+            <a:off x="2743200" y="646331"/>
+            <a:ext cx="6400800" cy="369332"/>
+          </a:xfrm>
+          <a:prstGeom prst="rect">
+            <a:avLst/>
+          </a:prstGeom>
+          <a:noFill/>
+        </p:spPr>
+        <p:txBody>
+          <a:bodyPr wrap="square" rtlCol="0">
+            <a:spAutoFit/>
+          </a:bodyPr>
+          <a:lstStyle/>
+          <a:p>
+            <a:pPr algn="ctr"/>
+            <a:r>
+              <a:rPr lang="en-US" dirty="0" smtClean="0">
+                <a:solidFill>
+                  <a:schemeClr val="bg1"/>
+                </a:solidFill>
+                <a:latin typeface="CF Spaceship" pitchFamily="2" charset="0"/>
+              </a:rPr>
+              <a:t>Spectral Type</a:t>
+            </a:r>
+            <a:endParaRPr lang="en-US" dirty="0">
+              <a:solidFill>
+                <a:schemeClr val="bg1"/>
+              </a:solidFill>
+              <a:latin typeface="CF Spaceship" pitchFamily="2" charset="0"/>
+            </a:endParaRPr>
+          </a:p>
+        </p:txBody>
+      </p:sp>
+      <p:sp>
+        <p:nvSpPr>
+          <p:cNvPr id="10" name="TextBox 9"/>
+          <p:cNvSpPr txBox="1"/>
+          <p:nvPr/>
+        </p:nvSpPr>
+        <p:spPr>
+          <a:xfrm>
+            <a:off x="0" y="0"/>
+            <a:ext cx="2743199" cy="415498"/>
+          </a:xfrm>
+          <a:prstGeom prst="rect">
+            <a:avLst/>
+          </a:prstGeom>
+          <a:noFill/>
+        </p:spPr>
+        <p:txBody>
+          <a:bodyPr wrap="square" rtlCol="0">
+            <a:spAutoFit/>
+          </a:bodyPr>
+          <a:lstStyle/>
+          <a:p>
+            <a:r>
+              <a:rPr lang="en-US" sz="2100" dirty="0" err="1" smtClean="0">
+                <a:solidFill>
+                  <a:schemeClr val="bg1"/>
+                </a:solidFill>
+                <a:latin typeface="AR DESTINE" panose="02000000000000000000" pitchFamily="2" charset="0"/>
+              </a:rPr>
+              <a:t>Hipparcos</a:t>
+            </a:r>
+            <a:r>
+              <a:rPr lang="en-US" sz="2100" dirty="0" smtClean="0">
+                <a:solidFill>
+                  <a:schemeClr val="bg1"/>
+                </a:solidFill>
+                <a:latin typeface="AR DESTINE" panose="02000000000000000000" pitchFamily="2" charset="0"/>
+              </a:rPr>
+              <a:t> ID:</a:t>
+            </a:r>
+            <a:endParaRPr lang="en-US" sz="2100" dirty="0">
+              <a:solidFill>
+                <a:schemeClr val="bg1"/>
+              </a:solidFill>
+              <a:latin typeface="AR DESTINE" panose="02000000000000000000" pitchFamily="2" charset="0"/>
+            </a:endParaRPr>
+          </a:p>
+        </p:txBody>
+      </p:sp>
+      <p:sp>
+        <p:nvSpPr>
+          <p:cNvPr id="11" name="TextBox 10"/>
+          <p:cNvSpPr txBox="1"/>
+          <p:nvPr/>
+        </p:nvSpPr>
+        <p:spPr>
+          <a:xfrm>
+            <a:off x="-1" y="1337102"/>
+            <a:ext cx="2743199" cy="415498"/>
+          </a:xfrm>
+          <a:prstGeom prst="rect">
+            <a:avLst/>
+          </a:prstGeom>
+          <a:noFill/>
+        </p:spPr>
+        <p:txBody>
+          <a:bodyPr wrap="square" rtlCol="0">
+            <a:spAutoFit/>
+          </a:bodyPr>
+          <a:lstStyle/>
+          <a:p>
+            <a:r>
+              <a:rPr lang="en-US" sz="2100" dirty="0" smtClean="0">
+                <a:solidFill>
+                  <a:schemeClr val="bg1"/>
+                </a:solidFill>
+                <a:latin typeface="AR DESTINE" panose="02000000000000000000" pitchFamily="2" charset="0"/>
+              </a:rPr>
+              <a:t>Coordinates:</a:t>
+            </a:r>
+            <a:endParaRPr lang="en-US" sz="2100" dirty="0">
+              <a:solidFill>
+                <a:schemeClr val="bg1"/>
+              </a:solidFill>
+              <a:latin typeface="AR DESTINE" panose="02000000000000000000" pitchFamily="2" charset="0"/>
+            </a:endParaRPr>
+          </a:p>
+        </p:txBody>
+      </p:sp>
+      <p:sp>
+        <p:nvSpPr>
+          <p:cNvPr id="12" name="TextBox 11"/>
+          <p:cNvSpPr txBox="1"/>
+          <p:nvPr/>
+        </p:nvSpPr>
+        <p:spPr>
+          <a:xfrm>
+            <a:off x="0" y="1733490"/>
+            <a:ext cx="784749" cy="400110"/>
+          </a:xfrm>
+          <a:prstGeom prst="rect">
+            <a:avLst/>
+          </a:prstGeom>
+          <a:noFill/>
+        </p:spPr>
+        <p:txBody>
+          <a:bodyPr wrap="square" rtlCol="0">
+            <a:spAutoFit/>
+          </a:bodyPr>
+          <a:lstStyle/>
+          <a:p>
+            <a:r>
+              <a:rPr lang="en-US" sz="2000" dirty="0" smtClean="0">
+                <a:solidFill>
+                  <a:schemeClr val="bg1"/>
+                </a:solidFill>
+                <a:latin typeface="AR DESTINE" panose="02000000000000000000" pitchFamily="2" charset="0"/>
+              </a:rPr>
+              <a:t>RA:</a:t>
+            </a:r>
+            <a:endParaRPr lang="en-US" sz="2000" dirty="0">
+              <a:solidFill>
+                <a:schemeClr val="bg1"/>
+              </a:solidFill>
+              <a:latin typeface="AR DESTINE" panose="02000000000000000000" pitchFamily="2" charset="0"/>
+            </a:endParaRPr>
+          </a:p>
+        </p:txBody>
+      </p:sp>
+      <p:sp>
+        <p:nvSpPr>
+          <p:cNvPr id="13" name="TextBox 12"/>
+          <p:cNvSpPr txBox="1"/>
+          <p:nvPr/>
+        </p:nvSpPr>
+        <p:spPr>
+          <a:xfrm>
+            <a:off x="0" y="2114490"/>
+            <a:ext cx="784749" cy="400110"/>
+          </a:xfrm>
+          <a:prstGeom prst="rect">
+            <a:avLst/>
+          </a:prstGeom>
+          <a:noFill/>
+        </p:spPr>
+        <p:txBody>
+          <a:bodyPr wrap="square" rtlCol="0">
+            <a:spAutoFit/>
+          </a:bodyPr>
+          <a:lstStyle/>
+          <a:p>
+            <a:r>
+              <a:rPr lang="en-US" sz="2000" dirty="0" smtClean="0">
+                <a:solidFill>
+                  <a:schemeClr val="bg1"/>
+                </a:solidFill>
+                <a:latin typeface="AR DESTINE" panose="02000000000000000000" pitchFamily="2" charset="0"/>
+              </a:rPr>
+              <a:t>Dec:</a:t>
+            </a:r>
+            <a:endParaRPr lang="en-US" sz="2000" dirty="0">
+              <a:solidFill>
+                <a:schemeClr val="bg1"/>
+              </a:solidFill>
+              <a:latin typeface="AR DESTINE" panose="02000000000000000000" pitchFamily="2" charset="0"/>
+            </a:endParaRPr>
+          </a:p>
+        </p:txBody>
+      </p:sp>
+      <p:sp>
+        <p:nvSpPr>
+          <p:cNvPr id="14" name="TextBox 13"/>
+          <p:cNvSpPr txBox="1"/>
+          <p:nvPr/>
+        </p:nvSpPr>
+        <p:spPr>
+          <a:xfrm>
+            <a:off x="-2" y="2480102"/>
+            <a:ext cx="1371599" cy="415498"/>
+          </a:xfrm>
+          <a:prstGeom prst="rect">
+            <a:avLst/>
+          </a:prstGeom>
+          <a:noFill/>
+        </p:spPr>
+        <p:txBody>
+          <a:bodyPr wrap="square" rtlCol="0">
+            <a:spAutoFit/>
+          </a:bodyPr>
+          <a:lstStyle/>
+          <a:p>
+            <a:r>
+              <a:rPr lang="en-US" sz="2100" dirty="0" smtClean="0">
+                <a:solidFill>
+                  <a:schemeClr val="bg1"/>
+                </a:solidFill>
+                <a:latin typeface="AR DESTINE" panose="02000000000000000000" pitchFamily="2" charset="0"/>
+              </a:rPr>
+              <a:t>Distance:</a:t>
+            </a:r>
+            <a:endParaRPr lang="en-US" sz="2100" dirty="0">
+              <a:solidFill>
+                <a:schemeClr val="bg1"/>
+              </a:solidFill>
+              <a:latin typeface="AR DESTINE" panose="02000000000000000000" pitchFamily="2" charset="0"/>
+            </a:endParaRPr>
+          </a:p>
+        </p:txBody>
+      </p:sp>
+      <p:sp>
+        <p:nvSpPr>
+          <p:cNvPr id="15" name="TextBox 14"/>
+          <p:cNvSpPr txBox="1"/>
+          <p:nvPr/>
+        </p:nvSpPr>
+        <p:spPr>
+          <a:xfrm>
+            <a:off x="-3" y="2861102"/>
+            <a:ext cx="1676400" cy="415498"/>
+          </a:xfrm>
+          <a:prstGeom prst="rect">
+            <a:avLst/>
+          </a:prstGeom>
+          <a:noFill/>
+        </p:spPr>
+        <p:txBody>
+          <a:bodyPr wrap="square" rtlCol="0">
+            <a:spAutoFit/>
+          </a:bodyPr>
+          <a:lstStyle/>
+          <a:p>
+            <a:r>
+              <a:rPr lang="en-US" sz="2100" dirty="0" smtClean="0">
+                <a:solidFill>
+                  <a:schemeClr val="bg1"/>
+                </a:solidFill>
+                <a:latin typeface="AR DESTINE" panose="02000000000000000000" pitchFamily="2" charset="0"/>
+              </a:rPr>
+              <a:t>Magnitude:</a:t>
+            </a:r>
+            <a:endParaRPr lang="en-US" sz="2100" dirty="0">
+              <a:solidFill>
+                <a:schemeClr val="bg1"/>
+              </a:solidFill>
+              <a:latin typeface="AR DESTINE" panose="02000000000000000000" pitchFamily="2" charset="0"/>
+            </a:endParaRPr>
+          </a:p>
+        </p:txBody>
+      </p:sp>
+      <p:sp>
+        <p:nvSpPr>
+          <p:cNvPr id="16" name="TextBox 15"/>
+          <p:cNvSpPr txBox="1"/>
+          <p:nvPr/>
+        </p:nvSpPr>
+        <p:spPr>
+          <a:xfrm>
+            <a:off x="-4" y="3242102"/>
+            <a:ext cx="1485903" cy="415498"/>
+          </a:xfrm>
+          <a:prstGeom prst="rect">
+            <a:avLst/>
+          </a:prstGeom>
+          <a:noFill/>
+        </p:spPr>
+        <p:txBody>
+          <a:bodyPr wrap="square" rtlCol="0">
+            <a:spAutoFit/>
+          </a:bodyPr>
+          <a:lstStyle/>
+          <a:p>
+            <a:r>
+              <a:rPr lang="en-US" sz="2100" dirty="0" smtClean="0">
+                <a:solidFill>
+                  <a:schemeClr val="bg1"/>
+                </a:solidFill>
+                <a:latin typeface="AR DESTINE" panose="02000000000000000000" pitchFamily="2" charset="0"/>
+              </a:rPr>
+              <a:t>Abs. Mag:</a:t>
+            </a:r>
+            <a:endParaRPr lang="en-US" sz="2100" dirty="0">
+              <a:solidFill>
+                <a:schemeClr val="bg1"/>
+              </a:solidFill>
+              <a:latin typeface="AR DESTINE" panose="02000000000000000000" pitchFamily="2" charset="0"/>
+            </a:endParaRPr>
+          </a:p>
+        </p:txBody>
+      </p:sp>
+      <p:sp>
+        <p:nvSpPr>
+          <p:cNvPr id="17" name="TextBox 16"/>
+          <p:cNvSpPr txBox="1"/>
+          <p:nvPr/>
+        </p:nvSpPr>
+        <p:spPr>
+          <a:xfrm>
+            <a:off x="-4" y="3623102"/>
+            <a:ext cx="1600204" cy="415498"/>
+          </a:xfrm>
+          <a:prstGeom prst="rect">
+            <a:avLst/>
+          </a:prstGeom>
+          <a:noFill/>
+        </p:spPr>
+        <p:txBody>
+          <a:bodyPr wrap="square" rtlCol="0">
+            <a:spAutoFit/>
+          </a:bodyPr>
+          <a:lstStyle/>
+          <a:p>
+            <a:r>
+              <a:rPr lang="en-US" sz="2100" dirty="0" smtClean="0">
+                <a:solidFill>
+                  <a:schemeClr val="bg1"/>
+                </a:solidFill>
+                <a:latin typeface="AR DESTINE" panose="02000000000000000000" pitchFamily="2" charset="0"/>
+              </a:rPr>
+              <a:t>Luminosity:</a:t>
+            </a:r>
+            <a:endParaRPr lang="en-US" sz="2100" dirty="0">
+              <a:solidFill>
+                <a:schemeClr val="bg1"/>
+              </a:solidFill>
+              <a:latin typeface="AR DESTINE" panose="02000000000000000000" pitchFamily="2" charset="0"/>
+            </a:endParaRPr>
+          </a:p>
+        </p:txBody>
+      </p:sp>
+      <p:sp>
+        <p:nvSpPr>
+          <p:cNvPr id="18" name="TextBox 17"/>
+          <p:cNvSpPr txBox="1"/>
+          <p:nvPr/>
+        </p:nvSpPr>
+        <p:spPr>
+          <a:xfrm>
+            <a:off x="-31275" y="685800"/>
+            <a:ext cx="2743199" cy="415498"/>
+          </a:xfrm>
+          <a:prstGeom prst="rect">
+            <a:avLst/>
+          </a:prstGeom>
+          <a:noFill/>
+        </p:spPr>
+        <p:txBody>
+          <a:bodyPr wrap="square" rtlCol="0">
+            <a:spAutoFit/>
+          </a:bodyPr>
+          <a:lstStyle/>
+          <a:p>
+            <a:r>
+              <a:rPr lang="en-US" sz="2100" dirty="0" smtClean="0">
+                <a:solidFill>
+                  <a:schemeClr val="bg1"/>
+                </a:solidFill>
+                <a:latin typeface="AR DESTINE" panose="02000000000000000000" pitchFamily="2" charset="0"/>
+              </a:rPr>
+              <a:t>Constellation:</a:t>
+            </a:r>
+            <a:endParaRPr lang="en-US" sz="2100" dirty="0">
+              <a:solidFill>
+                <a:schemeClr val="bg1"/>
+              </a:solidFill>
+              <a:latin typeface="AR DESTINE" panose="02000000000000000000" pitchFamily="2" charset="0"/>
+            </a:endParaRPr>
+          </a:p>
+        </p:txBody>
+      </p:sp>
+      <p:sp>
+        <p:nvSpPr>
+          <p:cNvPr id="19" name="TextBox 18"/>
+          <p:cNvSpPr txBox="1"/>
+          <p:nvPr/>
+        </p:nvSpPr>
+        <p:spPr>
+          <a:xfrm>
+            <a:off x="0" y="4038600"/>
+            <a:ext cx="2667000" cy="415498"/>
+          </a:xfrm>
+          <a:prstGeom prst="rect">
+            <a:avLst/>
+          </a:prstGeom>
+          <a:noFill/>
+        </p:spPr>
+        <p:txBody>
+          <a:bodyPr wrap="square" rtlCol="0">
+            <a:spAutoFit/>
+          </a:bodyPr>
+          <a:lstStyle/>
+          <a:p>
+            <a:r>
+              <a:rPr lang="en-US" sz="2100" dirty="0" smtClean="0">
+                <a:solidFill>
+                  <a:schemeClr val="bg1"/>
+                </a:solidFill>
+                <a:latin typeface="AR DESTINE" panose="02000000000000000000" pitchFamily="2" charset="0"/>
+              </a:rPr>
+              <a:t>Variable Magnitude:</a:t>
+            </a:r>
+            <a:endParaRPr lang="en-US" sz="2100" dirty="0">
+              <a:solidFill>
+                <a:schemeClr val="bg1"/>
+              </a:solidFill>
+              <a:latin typeface="AR DESTINE" panose="02000000000000000000" pitchFamily="2" charset="0"/>
+            </a:endParaRPr>
+          </a:p>
+        </p:txBody>
+      </p:sp>
+      <p:sp>
+        <p:nvSpPr>
+          <p:cNvPr id="20" name="TextBox 19"/>
+          <p:cNvSpPr txBox="1"/>
+          <p:nvPr/>
+        </p:nvSpPr>
+        <p:spPr>
+          <a:xfrm>
+            <a:off x="0" y="4419600"/>
+            <a:ext cx="784749" cy="400110"/>
+          </a:xfrm>
+          <a:prstGeom prst="rect">
+            <a:avLst/>
+          </a:prstGeom>
+          <a:noFill/>
+        </p:spPr>
+        <p:txBody>
+          <a:bodyPr wrap="square" rtlCol="0">
+            <a:spAutoFit/>
+          </a:bodyPr>
+          <a:lstStyle/>
+          <a:p>
+            <a:r>
+              <a:rPr lang="en-US" sz="2000" dirty="0" smtClean="0">
+                <a:solidFill>
+                  <a:schemeClr val="bg1"/>
+                </a:solidFill>
+                <a:latin typeface="AR DESTINE" panose="02000000000000000000" pitchFamily="2" charset="0"/>
+              </a:rPr>
+              <a:t>Min:</a:t>
+            </a:r>
+            <a:endParaRPr lang="en-US" sz="2000" dirty="0">
+              <a:solidFill>
+                <a:schemeClr val="bg1"/>
+              </a:solidFill>
+              <a:latin typeface="AR DESTINE" panose="02000000000000000000" pitchFamily="2" charset="0"/>
+            </a:endParaRPr>
+          </a:p>
+        </p:txBody>
+      </p:sp>
+      <p:sp>
+        <p:nvSpPr>
+          <p:cNvPr id="21" name="TextBox 20"/>
+          <p:cNvSpPr txBox="1"/>
+          <p:nvPr/>
+        </p:nvSpPr>
+        <p:spPr>
+          <a:xfrm>
+            <a:off x="0" y="4752945"/>
+            <a:ext cx="784749" cy="400110"/>
+          </a:xfrm>
+          <a:prstGeom prst="rect">
+            <a:avLst/>
+          </a:prstGeom>
+          <a:noFill/>
+        </p:spPr>
+        <p:txBody>
+          <a:bodyPr wrap="square" rtlCol="0">
+            <a:spAutoFit/>
+          </a:bodyPr>
+          <a:lstStyle/>
+          <a:p>
+            <a:r>
+              <a:rPr lang="en-US" sz="2000" dirty="0" smtClean="0">
+                <a:solidFill>
+                  <a:schemeClr val="bg1"/>
+                </a:solidFill>
+                <a:latin typeface="AR DESTINE" panose="02000000000000000000" pitchFamily="2" charset="0"/>
+              </a:rPr>
+              <a:t>Max:</a:t>
+            </a:r>
+            <a:endParaRPr lang="en-US" sz="2000" dirty="0">
+              <a:solidFill>
+                <a:schemeClr val="bg1"/>
+              </a:solidFill>
+              <a:latin typeface="AR DESTINE" panose="02000000000000000000" pitchFamily="2" charset="0"/>
+            </a:endParaRPr>
+          </a:p>
+        </p:txBody>
+      </p:sp>
+      <p:sp>
+        <p:nvSpPr>
+          <p:cNvPr id="22" name="TextBox 21"/>
+          <p:cNvSpPr txBox="1"/>
+          <p:nvPr/>
+        </p:nvSpPr>
+        <p:spPr>
+          <a:xfrm>
+            <a:off x="-4" y="5105400"/>
+            <a:ext cx="2667000" cy="415498"/>
+          </a:xfrm>
+          <a:prstGeom prst="rect">
+            <a:avLst/>
+          </a:prstGeom>
+          <a:noFill/>
+        </p:spPr>
+        <p:txBody>
+          <a:bodyPr wrap="square" rtlCol="0">
+            <a:spAutoFit/>
+          </a:bodyPr>
+          <a:lstStyle/>
+          <a:p>
+            <a:r>
+              <a:rPr lang="en-US" sz="2100" dirty="0" smtClean="0">
+                <a:solidFill>
+                  <a:schemeClr val="bg1"/>
+                </a:solidFill>
+                <a:latin typeface="AR DESTINE" panose="02000000000000000000" pitchFamily="2" charset="0"/>
+              </a:rPr>
+              <a:t>Star System Name</a:t>
+            </a:r>
+            <a:r>
+              <a:rPr lang="en-US" sz="2100" dirty="0" smtClean="0">
+                <a:solidFill>
+                  <a:schemeClr val="bg1"/>
+                </a:solidFill>
+                <a:latin typeface="AR DESTINE" panose="02000000000000000000" pitchFamily="2" charset="0"/>
+              </a:rPr>
+              <a:t>:</a:t>
+            </a:r>
+            <a:endParaRPr lang="en-US" sz="2100" dirty="0">
+              <a:solidFill>
+                <a:schemeClr val="bg1"/>
+              </a:solidFill>
+              <a:latin typeface="AR DESTINE" panose="02000000000000000000" pitchFamily="2" charset="0"/>
+            </a:endParaRPr>
+          </a:p>
+        </p:txBody>
+      </p:sp>
+      <p:sp>
+        <p:nvSpPr>
+          <p:cNvPr id="23" name="TextBox 22"/>
+          <p:cNvSpPr txBox="1"/>
+          <p:nvPr/>
+        </p:nvSpPr>
+        <p:spPr>
+          <a:xfrm>
+            <a:off x="0" y="5791200"/>
+            <a:ext cx="2666996" cy="415498"/>
+          </a:xfrm>
+          <a:prstGeom prst="rect">
+            <a:avLst/>
+          </a:prstGeom>
+          <a:noFill/>
+        </p:spPr>
+        <p:txBody>
+          <a:bodyPr wrap="square" rtlCol="0">
+            <a:spAutoFit/>
+          </a:bodyPr>
+          <a:lstStyle/>
+          <a:p>
+            <a:r>
+              <a:rPr lang="en-US" sz="2100" dirty="0" smtClean="0">
+                <a:solidFill>
+                  <a:schemeClr val="bg1"/>
+                </a:solidFill>
+                <a:latin typeface="AR DESTINE" panose="02000000000000000000" pitchFamily="2" charset="0"/>
+              </a:rPr>
+              <a:t>Companion ID</a:t>
+            </a:r>
+            <a:r>
+              <a:rPr lang="en-US" sz="2100" dirty="0" smtClean="0">
+                <a:solidFill>
+                  <a:schemeClr val="bg1"/>
+                </a:solidFill>
+                <a:latin typeface="AR DESTINE" panose="02000000000000000000" pitchFamily="2" charset="0"/>
+              </a:rPr>
+              <a:t>:</a:t>
+            </a:r>
+            <a:endParaRPr lang="en-US" sz="2100" dirty="0">
+              <a:solidFill>
+                <a:schemeClr val="bg1"/>
+              </a:solidFill>
+              <a:latin typeface="AR DESTINE" panose="02000000000000000000" pitchFamily="2" charset="0"/>
+            </a:endParaRPr>
+          </a:p>
+        </p:txBody>
+      </p:sp>
+    </p:spTree>
+    <p:controls>
+      <mc:AlternateContent xmlns:mc="http://schemas.openxmlformats.org/markup-compatibility/2006">
+        <mc:Choice xmlns:v="urn:schemas-microsoft-com:vml" Requires="v">
+          <p:control spid="2050" name="TextBox1" r:id="rId2" imgW="1676520" imgH="304920"/>
+        </mc:Choice>
+        <mc:Fallback>
+          <p:control name="TextBox1" r:id="rId2" imgW="1676520" imgH="304920">
+            <p:pic>
+              <p:nvPicPr>
+                <p:cNvPr id="0" name="TextBox1"/>
+                <p:cNvPicPr preferRelativeResize="0">
+                  <a:picLocks noChangeArrowheads="1" noChangeShapeType="1"/>
+                </p:cNvPicPr>
+                <p:nvPr/>
+              </p:nvPicPr>
+              <p:blipFill>
+                <a:blip r:embed="rId19">
+                  <a:extLst>
+                    <a:ext uri="{28A0092B-C50C-407E-A947-70E740481C1C}">
+                      <a14:useLocalDpi xmlns:a14="http://schemas.microsoft.com/office/drawing/2010/main" val="0"/>
+                    </a:ext>
+                  </a:extLst>
+                </a:blip>
+                <a:srcRect/>
+                <a:stretch>
+                  <a:fillRect/>
+                </a:stretch>
+              </p:blipFill>
+              <p:spPr bwMode="auto">
+                <a:xfrm>
+                  <a:off x="0" y="381000"/>
+                  <a:ext cx="1676400" cy="304800"/>
+                </a:xfrm>
+                <a:prstGeom prst="rect">
+                  <a:avLst/>
+                </a:prstGeom>
+                <a:noFill/>
+                <a:ln>
+                  <a:noFill/>
+                </a:ln>
+                <a:effectLst/>
+                <a:extLst>
+                  <a:ext uri="{909E8E84-426E-40DD-AFC4-6F175D3DCCD1}">
+                    <a14:hiddenFill xmlns:a14="http://schemas.microsoft.com/office/drawing/2010/main">
+                      <a:noFill/>
+                    </a14:hiddenFill>
+                  </a:ext>
+                  <a:ext uri="{91240B29-F687-4F45-9708-019B960494DF}">
+                    <a14:hiddenLine xmlns:a14="http://schemas.microsoft.com/office/drawing/2010/main" w="9525">
+                      <a:noFill/>
+                      <a:miter lim="800000"/>
+                      <a:headEnd/>
+                      <a:tailEnd/>
+                    </a14:hiddenLine>
+                  </a:ext>
+                  <a:ext uri="{AF507438-7753-43E0-B8FC-AC1667EBCBE1}">
+                    <a14:hiddenEffects xmlns:a14="http://schemas.microsoft.com/office/drawing/2010/main">
+                      <a:effectLst>
+                        <a:outerShdw dist="35921" dir="2700000" algn="ctr" rotWithShape="0">
+                          <a:schemeClr val="bg2"/>
+                        </a:outerShdw>
+                      </a:effectLst>
+                    </a14:hiddenEffects>
+                  </a:ext>
+                </a:extLst>
+              </p:spPr>
+            </p:pic>
+          </p:control>
+        </mc:Fallback>
+      </mc:AlternateContent>
+      <mc:AlternateContent xmlns:mc="http://schemas.openxmlformats.org/markup-compatibility/2006">
+        <mc:Choice xmlns:v="urn:schemas-microsoft-com:vml" Requires="v">
+          <p:control spid="2052" name="TextBox2" r:id="rId3" imgW="838080" imgH="304920"/>
+        </mc:Choice>
+        <mc:Fallback>
+          <p:control name="TextBox2" r:id="rId3" imgW="838080" imgH="304920">
+            <p:pic>
+              <p:nvPicPr>
+                <p:cNvPr id="0" name="TextBox2"/>
+                <p:cNvPicPr preferRelativeResize="0">
+                  <a:picLocks noChangeArrowheads="1" noChangeShapeType="1"/>
+                </p:cNvPicPr>
+                <p:nvPr/>
+              </p:nvPicPr>
+              <p:blipFill>
+                <a:blip r:embed="rId20">
+                  <a:extLst>
+                    <a:ext uri="{28A0092B-C50C-407E-A947-70E740481C1C}">
+                      <a14:useLocalDpi xmlns:a14="http://schemas.microsoft.com/office/drawing/2010/main" val="0"/>
+                    </a:ext>
+                  </a:extLst>
+                </a:blip>
+                <a:srcRect/>
+                <a:stretch>
+                  <a:fillRect/>
+                </a:stretch>
+              </p:blipFill>
+              <p:spPr bwMode="auto">
+                <a:xfrm>
+                  <a:off x="685800" y="2133600"/>
+                  <a:ext cx="1981200" cy="304800"/>
+                </a:xfrm>
+                <a:prstGeom prst="rect">
+                  <a:avLst/>
+                </a:prstGeom>
+                <a:noFill/>
+                <a:ln>
+                  <a:noFill/>
+                </a:ln>
+                <a:effectLst/>
+                <a:extLst>
+                  <a:ext uri="{909E8E84-426E-40DD-AFC4-6F175D3DCCD1}">
+                    <a14:hiddenFill xmlns:a14="http://schemas.microsoft.com/office/drawing/2010/main">
+                      <a:noFill/>
+                    </a14:hiddenFill>
+                  </a:ext>
+                  <a:ext uri="{91240B29-F687-4F45-9708-019B960494DF}">
+                    <a14:hiddenLine xmlns:a14="http://schemas.microsoft.com/office/drawing/2010/main" w="9525">
+                      <a:noFill/>
+                      <a:miter lim="800000"/>
+                      <a:headEnd/>
+                      <a:tailEnd/>
+                    </a14:hiddenLine>
+                  </a:ext>
+                  <a:ext uri="{AF507438-7753-43E0-B8FC-AC1667EBCBE1}">
+                    <a14:hiddenEffects xmlns:a14="http://schemas.microsoft.com/office/drawing/2010/main">
+                      <a:effectLst>
+                        <a:outerShdw dist="35921" dir="2700000" algn="ctr" rotWithShape="0">
+                          <a:schemeClr val="bg2"/>
+                        </a:outerShdw>
+                      </a:effectLst>
+                    </a14:hiddenEffects>
+                  </a:ext>
+                </a:extLst>
+              </p:spPr>
+            </p:pic>
+          </p:control>
+        </mc:Fallback>
+      </mc:AlternateContent>
+      <mc:AlternateContent xmlns:mc="http://schemas.openxmlformats.org/markup-compatibility/2006">
+        <mc:Choice xmlns:v="urn:schemas-microsoft-com:vml" Requires="v">
+          <p:control spid="2053" name="TextBox16" r:id="rId4" imgW="838080" imgH="304920"/>
+        </mc:Choice>
+        <mc:Fallback>
+          <p:control name="TextBox16" r:id="rId4" imgW="838080" imgH="304920">
+            <p:pic>
+              <p:nvPicPr>
+                <p:cNvPr id="0" name="TextBox16"/>
+                <p:cNvPicPr preferRelativeResize="0">
+                  <a:picLocks noChangeArrowheads="1" noChangeShapeType="1"/>
+                </p:cNvPicPr>
+                <p:nvPr/>
+              </p:nvPicPr>
+              <p:blipFill>
+                <a:blip r:embed="rId21">
+                  <a:extLst>
+                    <a:ext uri="{28A0092B-C50C-407E-A947-70E740481C1C}">
+                      <a14:useLocalDpi xmlns:a14="http://schemas.microsoft.com/office/drawing/2010/main" val="0"/>
+                    </a:ext>
+                  </a:extLst>
+                </a:blip>
+                <a:srcRect/>
+                <a:stretch>
+                  <a:fillRect/>
+                </a:stretch>
+              </p:blipFill>
+              <p:spPr bwMode="auto">
+                <a:xfrm>
+                  <a:off x="1828800" y="1752600"/>
+                  <a:ext cx="838200" cy="304800"/>
+                </a:xfrm>
+                <a:prstGeom prst="rect">
+                  <a:avLst/>
+                </a:prstGeom>
+                <a:noFill/>
+                <a:ln>
+                  <a:noFill/>
+                </a:ln>
+                <a:effectLst/>
+                <a:extLst>
+                  <a:ext uri="{909E8E84-426E-40DD-AFC4-6F175D3DCCD1}">
+                    <a14:hiddenFill xmlns:a14="http://schemas.microsoft.com/office/drawing/2010/main">
+                      <a:noFill/>
+                    </a14:hiddenFill>
+                  </a:ext>
+                  <a:ext uri="{91240B29-F687-4F45-9708-019B960494DF}">
+                    <a14:hiddenLine xmlns:a14="http://schemas.microsoft.com/office/drawing/2010/main" w="9525">
+                      <a:noFill/>
+                      <a:miter lim="800000"/>
+                      <a:headEnd/>
+                      <a:tailEnd/>
+                    </a14:hiddenLine>
+                  </a:ext>
+                  <a:ext uri="{AF507438-7753-43E0-B8FC-AC1667EBCBE1}">
+                    <a14:hiddenEffects xmlns:a14="http://schemas.microsoft.com/office/drawing/2010/main">
+                      <a:effectLst>
+                        <a:outerShdw dist="35921" dir="2700000" algn="ctr" rotWithShape="0">
+                          <a:schemeClr val="bg2"/>
+                        </a:outerShdw>
+                      </a:effectLst>
+                    </a14:hiddenEffects>
+                  </a:ext>
+                </a:extLst>
+              </p:spPr>
+            </p:pic>
+          </p:control>
+        </mc:Fallback>
+      </mc:AlternateContent>
+      <mc:AlternateContent xmlns:mc="http://schemas.openxmlformats.org/markup-compatibility/2006">
+        <mc:Choice xmlns:v="urn:schemas-microsoft-com:vml" Requires="v">
+          <p:control spid="2054" name="TextBox17" r:id="rId5" imgW="838080" imgH="304920"/>
+        </mc:Choice>
+        <mc:Fallback>
+          <p:control name="TextBox17" r:id="rId5" imgW="838080" imgH="304920">
+            <p:pic>
+              <p:nvPicPr>
+                <p:cNvPr id="0" name="TextBox17"/>
+                <p:cNvPicPr preferRelativeResize="0">
+                  <a:picLocks noChangeArrowheads="1" noChangeShapeType="1"/>
+                </p:cNvPicPr>
+                <p:nvPr/>
+              </p:nvPicPr>
+              <p:blipFill>
+                <a:blip r:embed="rId22">
+                  <a:extLst>
+                    <a:ext uri="{28A0092B-C50C-407E-A947-70E740481C1C}">
+                      <a14:useLocalDpi xmlns:a14="http://schemas.microsoft.com/office/drawing/2010/main" val="0"/>
+                    </a:ext>
+                  </a:extLst>
+                </a:blip>
+                <a:srcRect/>
+                <a:stretch>
+                  <a:fillRect/>
+                </a:stretch>
+              </p:blipFill>
+              <p:spPr bwMode="auto">
+                <a:xfrm>
+                  <a:off x="685800" y="1752600"/>
+                  <a:ext cx="457200" cy="304800"/>
+                </a:xfrm>
+                <a:prstGeom prst="rect">
+                  <a:avLst/>
+                </a:prstGeom>
+                <a:noFill/>
+                <a:ln>
+                  <a:noFill/>
+                </a:ln>
+                <a:effectLst/>
+                <a:extLst>
+                  <a:ext uri="{909E8E84-426E-40DD-AFC4-6F175D3DCCD1}">
+                    <a14:hiddenFill xmlns:a14="http://schemas.microsoft.com/office/drawing/2010/main">
+                      <a:noFill/>
+                    </a14:hiddenFill>
+                  </a:ext>
+                  <a:ext uri="{91240B29-F687-4F45-9708-019B960494DF}">
+                    <a14:hiddenLine xmlns:a14="http://schemas.microsoft.com/office/drawing/2010/main" w="9525">
+                      <a:noFill/>
+                      <a:miter lim="800000"/>
+                      <a:headEnd/>
+                      <a:tailEnd/>
+                    </a14:hiddenLine>
+                  </a:ext>
+                  <a:ext uri="{AF507438-7753-43E0-B8FC-AC1667EBCBE1}">
+                    <a14:hiddenEffects xmlns:a14="http://schemas.microsoft.com/office/drawing/2010/main">
+                      <a:effectLst>
+                        <a:outerShdw dist="35921" dir="2700000" algn="ctr" rotWithShape="0">
+                          <a:schemeClr val="bg2"/>
+                        </a:outerShdw>
+                      </a:effectLst>
+                    </a14:hiddenEffects>
+                  </a:ext>
+                </a:extLst>
+              </p:spPr>
+            </p:pic>
+          </p:control>
+        </mc:Fallback>
+      </mc:AlternateContent>
+      <mc:AlternateContent xmlns:mc="http://schemas.openxmlformats.org/markup-compatibility/2006">
+        <mc:Choice xmlns:v="urn:schemas-microsoft-com:vml" Requires="v">
+          <p:control spid="2055" name="TextBox18" r:id="rId6" imgW="838080" imgH="304920"/>
+        </mc:Choice>
+        <mc:Fallback>
+          <p:control name="TextBox18" r:id="rId6" imgW="838080" imgH="304920">
+            <p:pic>
+              <p:nvPicPr>
+                <p:cNvPr id="0" name="TextBox18"/>
+                <p:cNvPicPr preferRelativeResize="0">
+                  <a:picLocks noChangeArrowheads="1" noChangeShapeType="1"/>
+                </p:cNvPicPr>
+                <p:nvPr/>
+              </p:nvPicPr>
+              <p:blipFill>
+                <a:blip r:embed="rId23">
+                  <a:extLst>
+                    <a:ext uri="{28A0092B-C50C-407E-A947-70E740481C1C}">
+                      <a14:useLocalDpi xmlns:a14="http://schemas.microsoft.com/office/drawing/2010/main" val="0"/>
+                    </a:ext>
+                  </a:extLst>
+                </a:blip>
+                <a:srcRect/>
+                <a:stretch>
+                  <a:fillRect/>
+                </a:stretch>
+              </p:blipFill>
+              <p:spPr bwMode="auto">
+                <a:xfrm>
+                  <a:off x="1219200" y="1752600"/>
+                  <a:ext cx="533400" cy="304800"/>
+                </a:xfrm>
+                <a:prstGeom prst="rect">
+                  <a:avLst/>
+                </a:prstGeom>
+                <a:noFill/>
+                <a:ln>
+                  <a:noFill/>
+                </a:ln>
+                <a:effectLst/>
+                <a:extLst>
+                  <a:ext uri="{909E8E84-426E-40DD-AFC4-6F175D3DCCD1}">
+                    <a14:hiddenFill xmlns:a14="http://schemas.microsoft.com/office/drawing/2010/main">
+                      <a:noFill/>
+                    </a14:hiddenFill>
+                  </a:ext>
+                  <a:ext uri="{91240B29-F687-4F45-9708-019B960494DF}">
+                    <a14:hiddenLine xmlns:a14="http://schemas.microsoft.com/office/drawing/2010/main" w="9525">
+                      <a:noFill/>
+                      <a:miter lim="800000"/>
+                      <a:headEnd/>
+                      <a:tailEnd/>
+                    </a14:hiddenLine>
+                  </a:ext>
+                  <a:ext uri="{AF507438-7753-43E0-B8FC-AC1667EBCBE1}">
+                    <a14:hiddenEffects xmlns:a14="http://schemas.microsoft.com/office/drawing/2010/main">
+                      <a:effectLst>
+                        <a:outerShdw dist="35921" dir="2700000" algn="ctr" rotWithShape="0">
+                          <a:schemeClr val="bg2"/>
+                        </a:outerShdw>
+                      </a:effectLst>
+                    </a14:hiddenEffects>
+                  </a:ext>
+                </a:extLst>
+              </p:spPr>
+            </p:pic>
+          </p:control>
+        </mc:Fallback>
+      </mc:AlternateContent>
+      <mc:AlternateContent xmlns:mc="http://schemas.openxmlformats.org/markup-compatibility/2006">
+        <mc:Choice xmlns:v="urn:schemas-microsoft-com:vml" Requires="v">
+          <p:control spid="2056" name="TextBox3" r:id="rId7" imgW="838080" imgH="304920"/>
+        </mc:Choice>
+        <mc:Fallback>
+          <p:control name="TextBox3" r:id="rId7" imgW="838080" imgH="304920">
             <p:pic>
               <p:nvPicPr>
                 <p:cNvPr id="0" name="TextBox3"/>
@@ -4707,20 +7253,31 @@
               </p:blipFill>
               <p:spPr bwMode="auto">
                 <a:xfrm>
-                  <a:off x="0" y="3581400"/>
-                  <a:ext cx="1676400" cy="304800"/>
+                  <a:off x="1600200" y="2514600"/>
+                  <a:ext cx="1066800" cy="304800"/>
                 </a:xfrm>
                 <a:prstGeom prst="rect">
                   <a:avLst/>
                 </a:prstGeom>
                 <a:noFill/>
-                <a:ln w="9525">
-                  <a:miter lim="800000"/>
-                  <a:headEnd/>
-                  <a:tailEnd/>
+                <a:ln>
+                  <a:noFill/>
                 </a:ln>
                 <a:effectLst/>
                 <a:extLst>
+                  <a:ext uri="{909E8E84-426E-40DD-AFC4-6F175D3DCCD1}">
+                    <a14:hiddenFill xmlns:a14="http://schemas.microsoft.com/office/drawing/2010/main">
+                      <a:noFill/>
+                    </a14:hiddenFill>
+                  </a:ext>
+                  <a:ext uri="{91240B29-F687-4F45-9708-019B960494DF}">
+                    <a14:hiddenLine xmlns:a14="http://schemas.microsoft.com/office/drawing/2010/main" w="9525">
+                      <a:noFill/>
+                      <a:miter lim="800000"/>
+                      <a:headEnd/>
+                      <a:tailEnd/>
+                    </a14:hiddenLine>
+                  </a:ext>
                   <a:ext uri="{AF507438-7753-43E0-B8FC-AC1667EBCBE1}">
                     <a14:hiddenEffects xmlns:a14="http://schemas.microsoft.com/office/drawing/2010/main">
                       <a:effectLst>
@@ -4738,13 +7295,565 @@
       </mc:AlternateContent>
       <mc:AlternateContent xmlns:mc="http://schemas.openxmlformats.org/markup-compatibility/2006">
         <mc:Choice xmlns:v="urn:schemas-microsoft-com:vml" Requires="v">
-          <p:control spid="1034" name="TextBox4" r:id="rId7" imgW="838080" imgH="304920"/>
+          <p:control spid="2057" name="TextBox4" r:id="rId8" imgW="838080" imgH="304920"/>
         </mc:Choice>
         <mc:Fallback>
-          <p:control name="TextBox4" r:id="rId7" imgW="838080" imgH="304920">
+          <p:control name="TextBox4" r:id="rId8" imgW="838080" imgH="304920">
             <p:pic>
               <p:nvPicPr>
                 <p:cNvPr id="0" name="TextBox4"/>
+                <p:cNvPicPr preferRelativeResize="0">
+                  <a:picLocks noChangeArrowheads="1" noChangeShapeType="1"/>
+                </p:cNvPicPr>
+                <p:nvPr/>
+              </p:nvPicPr>
+              <p:blipFill>
+                <a:blip r:embed="rId24">
+                  <a:extLst>
+                    <a:ext uri="{28A0092B-C50C-407E-A947-70E740481C1C}">
+                      <a14:useLocalDpi xmlns:a14="http://schemas.microsoft.com/office/drawing/2010/main" val="0"/>
+                    </a:ext>
+                  </a:extLst>
+                </a:blip>
+                <a:srcRect/>
+                <a:stretch>
+                  <a:fillRect/>
+                </a:stretch>
+              </p:blipFill>
+              <p:spPr bwMode="auto">
+                <a:xfrm>
+                  <a:off x="1600200" y="2895600"/>
+                  <a:ext cx="1066800" cy="304800"/>
+                </a:xfrm>
+                <a:prstGeom prst="rect">
+                  <a:avLst/>
+                </a:prstGeom>
+                <a:noFill/>
+                <a:ln>
+                  <a:noFill/>
+                </a:ln>
+                <a:effectLst/>
+                <a:extLst>
+                  <a:ext uri="{909E8E84-426E-40DD-AFC4-6F175D3DCCD1}">
+                    <a14:hiddenFill xmlns:a14="http://schemas.microsoft.com/office/drawing/2010/main">
+                      <a:noFill/>
+                    </a14:hiddenFill>
+                  </a:ext>
+                  <a:ext uri="{91240B29-F687-4F45-9708-019B960494DF}">
+                    <a14:hiddenLine xmlns:a14="http://schemas.microsoft.com/office/drawing/2010/main" w="9525">
+                      <a:noFill/>
+                      <a:miter lim="800000"/>
+                      <a:headEnd/>
+                      <a:tailEnd/>
+                    </a14:hiddenLine>
+                  </a:ext>
+                  <a:ext uri="{AF507438-7753-43E0-B8FC-AC1667EBCBE1}">
+                    <a14:hiddenEffects xmlns:a14="http://schemas.microsoft.com/office/drawing/2010/main">
+                      <a:effectLst>
+                        <a:outerShdw dist="35921" dir="2700000" algn="ctr" rotWithShape="0">
+                          <a:schemeClr val="bg2"/>
+                        </a:outerShdw>
+                      </a:effectLst>
+                    </a14:hiddenEffects>
+                  </a:ext>
+                </a:extLst>
+              </p:spPr>
+            </p:pic>
+          </p:control>
+        </mc:Fallback>
+      </mc:AlternateContent>
+      <mc:AlternateContent xmlns:mc="http://schemas.openxmlformats.org/markup-compatibility/2006">
+        <mc:Choice xmlns:v="urn:schemas-microsoft-com:vml" Requires="v">
+          <p:control spid="2058" name="TextBox5" r:id="rId9" imgW="838080" imgH="304920"/>
+        </mc:Choice>
+        <mc:Fallback>
+          <p:control name="TextBox5" r:id="rId9" imgW="838080" imgH="304920">
+            <p:pic>
+              <p:nvPicPr>
+                <p:cNvPr id="0" name="TextBox5"/>
+                <p:cNvPicPr preferRelativeResize="0">
+                  <a:picLocks noChangeArrowheads="1" noChangeShapeType="1"/>
+                </p:cNvPicPr>
+                <p:nvPr/>
+              </p:nvPicPr>
+              <p:blipFill>
+                <a:blip r:embed="rId24">
+                  <a:extLst>
+                    <a:ext uri="{28A0092B-C50C-407E-A947-70E740481C1C}">
+                      <a14:useLocalDpi xmlns:a14="http://schemas.microsoft.com/office/drawing/2010/main" val="0"/>
+                    </a:ext>
+                  </a:extLst>
+                </a:blip>
+                <a:srcRect/>
+                <a:stretch>
+                  <a:fillRect/>
+                </a:stretch>
+              </p:blipFill>
+              <p:spPr bwMode="auto">
+                <a:xfrm>
+                  <a:off x="1600200" y="3276600"/>
+                  <a:ext cx="1066800" cy="304800"/>
+                </a:xfrm>
+                <a:prstGeom prst="rect">
+                  <a:avLst/>
+                </a:prstGeom>
+                <a:noFill/>
+                <a:ln>
+                  <a:noFill/>
+                </a:ln>
+                <a:effectLst/>
+                <a:extLst>
+                  <a:ext uri="{909E8E84-426E-40DD-AFC4-6F175D3DCCD1}">
+                    <a14:hiddenFill xmlns:a14="http://schemas.microsoft.com/office/drawing/2010/main">
+                      <a:noFill/>
+                    </a14:hiddenFill>
+                  </a:ext>
+                  <a:ext uri="{91240B29-F687-4F45-9708-019B960494DF}">
+                    <a14:hiddenLine xmlns:a14="http://schemas.microsoft.com/office/drawing/2010/main" w="9525">
+                      <a:noFill/>
+                      <a:miter lim="800000"/>
+                      <a:headEnd/>
+                      <a:tailEnd/>
+                    </a14:hiddenLine>
+                  </a:ext>
+                  <a:ext uri="{AF507438-7753-43E0-B8FC-AC1667EBCBE1}">
+                    <a14:hiddenEffects xmlns:a14="http://schemas.microsoft.com/office/drawing/2010/main">
+                      <a:effectLst>
+                        <a:outerShdw dist="35921" dir="2700000" algn="ctr" rotWithShape="0">
+                          <a:schemeClr val="bg2"/>
+                        </a:outerShdw>
+                      </a:effectLst>
+                    </a14:hiddenEffects>
+                  </a:ext>
+                </a:extLst>
+              </p:spPr>
+            </p:pic>
+          </p:control>
+        </mc:Fallback>
+      </mc:AlternateContent>
+      <mc:AlternateContent xmlns:mc="http://schemas.openxmlformats.org/markup-compatibility/2006">
+        <mc:Choice xmlns:v="urn:schemas-microsoft-com:vml" Requires="v">
+          <p:control spid="2059" name="TextBox6" r:id="rId10" imgW="838080" imgH="304920"/>
+        </mc:Choice>
+        <mc:Fallback>
+          <p:control name="TextBox6" r:id="rId10" imgW="838080" imgH="304920">
+            <p:pic>
+              <p:nvPicPr>
+                <p:cNvPr id="0" name="TextBox6"/>
+                <p:cNvPicPr preferRelativeResize="0">
+                  <a:picLocks noChangeArrowheads="1" noChangeShapeType="1"/>
+                </p:cNvPicPr>
+                <p:nvPr/>
+              </p:nvPicPr>
+              <p:blipFill>
+                <a:blip r:embed="rId24">
+                  <a:extLst>
+                    <a:ext uri="{28A0092B-C50C-407E-A947-70E740481C1C}">
+                      <a14:useLocalDpi xmlns:a14="http://schemas.microsoft.com/office/drawing/2010/main" val="0"/>
+                    </a:ext>
+                  </a:extLst>
+                </a:blip>
+                <a:srcRect/>
+                <a:stretch>
+                  <a:fillRect/>
+                </a:stretch>
+              </p:blipFill>
+              <p:spPr bwMode="auto">
+                <a:xfrm>
+                  <a:off x="1600200" y="3657600"/>
+                  <a:ext cx="1066800" cy="304800"/>
+                </a:xfrm>
+                <a:prstGeom prst="rect">
+                  <a:avLst/>
+                </a:prstGeom>
+                <a:noFill/>
+                <a:ln>
+                  <a:noFill/>
+                </a:ln>
+                <a:effectLst/>
+                <a:extLst>
+                  <a:ext uri="{909E8E84-426E-40DD-AFC4-6F175D3DCCD1}">
+                    <a14:hiddenFill xmlns:a14="http://schemas.microsoft.com/office/drawing/2010/main">
+                      <a:noFill/>
+                    </a14:hiddenFill>
+                  </a:ext>
+                  <a:ext uri="{91240B29-F687-4F45-9708-019B960494DF}">
+                    <a14:hiddenLine xmlns:a14="http://schemas.microsoft.com/office/drawing/2010/main" w="9525">
+                      <a:noFill/>
+                      <a:miter lim="800000"/>
+                      <a:headEnd/>
+                      <a:tailEnd/>
+                    </a14:hiddenLine>
+                  </a:ext>
+                  <a:ext uri="{AF507438-7753-43E0-B8FC-AC1667EBCBE1}">
+                    <a14:hiddenEffects xmlns:a14="http://schemas.microsoft.com/office/drawing/2010/main">
+                      <a:effectLst>
+                        <a:outerShdw dist="35921" dir="2700000" algn="ctr" rotWithShape="0">
+                          <a:schemeClr val="bg2"/>
+                        </a:outerShdw>
+                      </a:effectLst>
+                    </a14:hiddenEffects>
+                  </a:ext>
+                </a:extLst>
+              </p:spPr>
+            </p:pic>
+          </p:control>
+        </mc:Fallback>
+      </mc:AlternateContent>
+      <mc:AlternateContent xmlns:mc="http://schemas.openxmlformats.org/markup-compatibility/2006">
+        <mc:Choice xmlns:v="urn:schemas-microsoft-com:vml" Requires="v">
+          <p:control spid="2060" name="TextBox7" r:id="rId11" imgW="1676520" imgH="304920"/>
+        </mc:Choice>
+        <mc:Fallback>
+          <p:control name="TextBox7" r:id="rId11" imgW="1676520" imgH="304920">
+            <p:pic>
+              <p:nvPicPr>
+                <p:cNvPr id="0" name="TextBox7"/>
+                <p:cNvPicPr preferRelativeResize="0">
+                  <a:picLocks noChangeArrowheads="1" noChangeShapeType="1"/>
+                </p:cNvPicPr>
+                <p:nvPr/>
+              </p:nvPicPr>
+              <p:blipFill>
+                <a:blip r:embed="rId25">
+                  <a:extLst>
+                    <a:ext uri="{28A0092B-C50C-407E-A947-70E740481C1C}">
+                      <a14:useLocalDpi xmlns:a14="http://schemas.microsoft.com/office/drawing/2010/main" val="0"/>
+                    </a:ext>
+                  </a:extLst>
+                </a:blip>
+                <a:srcRect/>
+                <a:stretch>
+                  <a:fillRect/>
+                </a:stretch>
+              </p:blipFill>
+              <p:spPr bwMode="auto">
+                <a:xfrm>
+                  <a:off x="0" y="1066800"/>
+                  <a:ext cx="2667000" cy="304800"/>
+                </a:xfrm>
+                <a:prstGeom prst="rect">
+                  <a:avLst/>
+                </a:prstGeom>
+                <a:noFill/>
+                <a:ln>
+                  <a:noFill/>
+                </a:ln>
+                <a:effectLst/>
+                <a:extLst>
+                  <a:ext uri="{909E8E84-426E-40DD-AFC4-6F175D3DCCD1}">
+                    <a14:hiddenFill xmlns:a14="http://schemas.microsoft.com/office/drawing/2010/main">
+                      <a:noFill/>
+                    </a14:hiddenFill>
+                  </a:ext>
+                  <a:ext uri="{91240B29-F687-4F45-9708-019B960494DF}">
+                    <a14:hiddenLine xmlns:a14="http://schemas.microsoft.com/office/drawing/2010/main" w="9525">
+                      <a:noFill/>
+                      <a:miter lim="800000"/>
+                      <a:headEnd/>
+                      <a:tailEnd/>
+                    </a14:hiddenLine>
+                  </a:ext>
+                  <a:ext uri="{AF507438-7753-43E0-B8FC-AC1667EBCBE1}">
+                    <a14:hiddenEffects xmlns:a14="http://schemas.microsoft.com/office/drawing/2010/main">
+                      <a:effectLst>
+                        <a:outerShdw dist="35921" dir="2700000" algn="ctr" rotWithShape="0">
+                          <a:schemeClr val="bg2"/>
+                        </a:outerShdw>
+                      </a:effectLst>
+                    </a14:hiddenEffects>
+                  </a:ext>
+                </a:extLst>
+              </p:spPr>
+            </p:pic>
+          </p:control>
+        </mc:Fallback>
+      </mc:AlternateContent>
+      <mc:AlternateContent xmlns:mc="http://schemas.openxmlformats.org/markup-compatibility/2006">
+        <mc:Choice xmlns:v="urn:schemas-microsoft-com:vml" Requires="v">
+          <p:control spid="2061" name="TextBox8" r:id="rId12" imgW="838080" imgH="304920"/>
+        </mc:Choice>
+        <mc:Fallback>
+          <p:control name="TextBox8" r:id="rId12" imgW="838080" imgH="304920">
+            <p:pic>
+              <p:nvPicPr>
+                <p:cNvPr id="0" name="TextBox8"/>
+                <p:cNvPicPr preferRelativeResize="0">
+                  <a:picLocks noChangeArrowheads="1" noChangeShapeType="1"/>
+                </p:cNvPicPr>
+                <p:nvPr/>
+              </p:nvPicPr>
+              <p:blipFill>
+                <a:blip r:embed="rId24">
+                  <a:extLst>
+                    <a:ext uri="{28A0092B-C50C-407E-A947-70E740481C1C}">
+                      <a14:useLocalDpi xmlns:a14="http://schemas.microsoft.com/office/drawing/2010/main" val="0"/>
+                    </a:ext>
+                  </a:extLst>
+                </a:blip>
+                <a:srcRect/>
+                <a:stretch>
+                  <a:fillRect/>
+                </a:stretch>
+              </p:blipFill>
+              <p:spPr bwMode="auto">
+                <a:xfrm>
+                  <a:off x="762000" y="4800600"/>
+                  <a:ext cx="1066800" cy="304800"/>
+                </a:xfrm>
+                <a:prstGeom prst="rect">
+                  <a:avLst/>
+                </a:prstGeom>
+                <a:noFill/>
+                <a:ln>
+                  <a:noFill/>
+                </a:ln>
+                <a:effectLst/>
+                <a:extLst>
+                  <a:ext uri="{909E8E84-426E-40DD-AFC4-6F175D3DCCD1}">
+                    <a14:hiddenFill xmlns:a14="http://schemas.microsoft.com/office/drawing/2010/main">
+                      <a:noFill/>
+                    </a14:hiddenFill>
+                  </a:ext>
+                  <a:ext uri="{91240B29-F687-4F45-9708-019B960494DF}">
+                    <a14:hiddenLine xmlns:a14="http://schemas.microsoft.com/office/drawing/2010/main" w="9525">
+                      <a:noFill/>
+                      <a:miter lim="800000"/>
+                      <a:headEnd/>
+                      <a:tailEnd/>
+                    </a14:hiddenLine>
+                  </a:ext>
+                  <a:ext uri="{AF507438-7753-43E0-B8FC-AC1667EBCBE1}">
+                    <a14:hiddenEffects xmlns:a14="http://schemas.microsoft.com/office/drawing/2010/main">
+                      <a:effectLst>
+                        <a:outerShdw dist="35921" dir="2700000" algn="ctr" rotWithShape="0">
+                          <a:schemeClr val="bg2"/>
+                        </a:outerShdw>
+                      </a:effectLst>
+                    </a14:hiddenEffects>
+                  </a:ext>
+                </a:extLst>
+              </p:spPr>
+            </p:pic>
+          </p:control>
+        </mc:Fallback>
+      </mc:AlternateContent>
+      <mc:AlternateContent xmlns:mc="http://schemas.openxmlformats.org/markup-compatibility/2006">
+        <mc:Choice xmlns:v="urn:schemas-microsoft-com:vml" Requires="v">
+          <p:control spid="2062" name="TextBox9" r:id="rId13" imgW="838080" imgH="304920"/>
+        </mc:Choice>
+        <mc:Fallback>
+          <p:control name="TextBox9" r:id="rId13" imgW="838080" imgH="304920">
+            <p:pic>
+              <p:nvPicPr>
+                <p:cNvPr id="0" name="TextBox9"/>
+                <p:cNvPicPr preferRelativeResize="0">
+                  <a:picLocks noChangeArrowheads="1" noChangeShapeType="1"/>
+                </p:cNvPicPr>
+                <p:nvPr/>
+              </p:nvPicPr>
+              <p:blipFill>
+                <a:blip r:embed="rId24">
+                  <a:extLst>
+                    <a:ext uri="{28A0092B-C50C-407E-A947-70E740481C1C}">
+                      <a14:useLocalDpi xmlns:a14="http://schemas.microsoft.com/office/drawing/2010/main" val="0"/>
+                    </a:ext>
+                  </a:extLst>
+                </a:blip>
+                <a:srcRect/>
+                <a:stretch>
+                  <a:fillRect/>
+                </a:stretch>
+              </p:blipFill>
+              <p:spPr bwMode="auto">
+                <a:xfrm>
+                  <a:off x="762000" y="4419600"/>
+                  <a:ext cx="1066800" cy="304800"/>
+                </a:xfrm>
+                <a:prstGeom prst="rect">
+                  <a:avLst/>
+                </a:prstGeom>
+                <a:noFill/>
+                <a:ln>
+                  <a:noFill/>
+                </a:ln>
+                <a:effectLst/>
+                <a:extLst>
+                  <a:ext uri="{909E8E84-426E-40DD-AFC4-6F175D3DCCD1}">
+                    <a14:hiddenFill xmlns:a14="http://schemas.microsoft.com/office/drawing/2010/main">
+                      <a:noFill/>
+                    </a14:hiddenFill>
+                  </a:ext>
+                  <a:ext uri="{91240B29-F687-4F45-9708-019B960494DF}">
+                    <a14:hiddenLine xmlns:a14="http://schemas.microsoft.com/office/drawing/2010/main" w="9525">
+                      <a:noFill/>
+                      <a:miter lim="800000"/>
+                      <a:headEnd/>
+                      <a:tailEnd/>
+                    </a14:hiddenLine>
+                  </a:ext>
+                  <a:ext uri="{AF507438-7753-43E0-B8FC-AC1667EBCBE1}">
+                    <a14:hiddenEffects xmlns:a14="http://schemas.microsoft.com/office/drawing/2010/main">
+                      <a:effectLst>
+                        <a:outerShdw dist="35921" dir="2700000" algn="ctr" rotWithShape="0">
+                          <a:schemeClr val="bg2"/>
+                        </a:outerShdw>
+                      </a:effectLst>
+                    </a14:hiddenEffects>
+                  </a:ext>
+                </a:extLst>
+              </p:spPr>
+            </p:pic>
+          </p:control>
+        </mc:Fallback>
+      </mc:AlternateContent>
+      <mc:AlternateContent xmlns:mc="http://schemas.openxmlformats.org/markup-compatibility/2006">
+        <mc:Choice xmlns:v="urn:schemas-microsoft-com:vml" Requires="v">
+          <p:control spid="2063" name="TextBox10" r:id="rId14" imgW="838080" imgH="304920"/>
+        </mc:Choice>
+        <mc:Fallback>
+          <p:control name="TextBox10" r:id="rId14" imgW="838080" imgH="304920">
+            <p:pic>
+              <p:nvPicPr>
+                <p:cNvPr id="0" name="TextBox10"/>
+                <p:cNvPicPr preferRelativeResize="0">
+                  <a:picLocks noChangeArrowheads="1" noChangeShapeType="1"/>
+                </p:cNvPicPr>
+                <p:nvPr/>
+              </p:nvPicPr>
+              <p:blipFill>
+                <a:blip r:embed="rId20">
+                  <a:extLst>
+                    <a:ext uri="{28A0092B-C50C-407E-A947-70E740481C1C}">
+                      <a14:useLocalDpi xmlns:a14="http://schemas.microsoft.com/office/drawing/2010/main" val="0"/>
+                    </a:ext>
+                  </a:extLst>
+                </a:blip>
+                <a:srcRect/>
+                <a:stretch>
+                  <a:fillRect/>
+                </a:stretch>
+              </p:blipFill>
+              <p:spPr bwMode="auto">
+                <a:xfrm>
+                  <a:off x="0" y="5486400"/>
+                  <a:ext cx="1981200" cy="304800"/>
+                </a:xfrm>
+                <a:prstGeom prst="rect">
+                  <a:avLst/>
+                </a:prstGeom>
+                <a:noFill/>
+                <a:ln>
+                  <a:noFill/>
+                </a:ln>
+                <a:effectLst/>
+                <a:extLst>
+                  <a:ext uri="{909E8E84-426E-40DD-AFC4-6F175D3DCCD1}">
+                    <a14:hiddenFill xmlns:a14="http://schemas.microsoft.com/office/drawing/2010/main">
+                      <a:noFill/>
+                    </a14:hiddenFill>
+                  </a:ext>
+                  <a:ext uri="{91240B29-F687-4F45-9708-019B960494DF}">
+                    <a14:hiddenLine xmlns:a14="http://schemas.microsoft.com/office/drawing/2010/main" w="9525">
+                      <a:noFill/>
+                      <a:miter lim="800000"/>
+                      <a:headEnd/>
+                      <a:tailEnd/>
+                    </a14:hiddenLine>
+                  </a:ext>
+                  <a:ext uri="{AF507438-7753-43E0-B8FC-AC1667EBCBE1}">
+                    <a14:hiddenEffects xmlns:a14="http://schemas.microsoft.com/office/drawing/2010/main">
+                      <a:effectLst>
+                        <a:outerShdw dist="35921" dir="2700000" algn="ctr" rotWithShape="0">
+                          <a:schemeClr val="bg2"/>
+                        </a:outerShdw>
+                      </a:effectLst>
+                    </a14:hiddenEffects>
+                  </a:ext>
+                </a:extLst>
+              </p:spPr>
+            </p:pic>
+          </p:control>
+        </mc:Fallback>
+      </mc:AlternateContent>
+      <mc:AlternateContent xmlns:mc="http://schemas.openxmlformats.org/markup-compatibility/2006">
+        <mc:Choice xmlns:v="urn:schemas-microsoft-com:vml" Requires="v">
+          <p:control spid="2064" name="TextBox11" r:id="rId15" imgW="1676520" imgH="304920"/>
+        </mc:Choice>
+        <mc:Fallback>
+          <p:control name="TextBox11" r:id="rId15" imgW="1676520" imgH="304920">
+            <p:pic>
+              <p:nvPicPr>
+                <p:cNvPr id="0" name="TextBox11"/>
+                <p:cNvPicPr preferRelativeResize="0">
+                  <a:picLocks noChangeArrowheads="1" noChangeShapeType="1"/>
+                </p:cNvPicPr>
+                <p:nvPr/>
+              </p:nvPicPr>
+              <p:blipFill>
+                <a:blip r:embed="rId19">
+                  <a:extLst>
+                    <a:ext uri="{28A0092B-C50C-407E-A947-70E740481C1C}">
+                      <a14:useLocalDpi xmlns:a14="http://schemas.microsoft.com/office/drawing/2010/main" val="0"/>
+                    </a:ext>
+                  </a:extLst>
+                </a:blip>
+                <a:srcRect/>
+                <a:stretch>
+                  <a:fillRect/>
+                </a:stretch>
+              </p:blipFill>
+              <p:spPr bwMode="auto">
+                <a:xfrm>
+                  <a:off x="0" y="6172200"/>
+                  <a:ext cx="1676400" cy="304800"/>
+                </a:xfrm>
+                <a:prstGeom prst="rect">
+                  <a:avLst/>
+                </a:prstGeom>
+                <a:noFill/>
+                <a:ln>
+                  <a:noFill/>
+                </a:ln>
+                <a:effectLst/>
+                <a:extLst>
+                  <a:ext uri="{909E8E84-426E-40DD-AFC4-6F175D3DCCD1}">
+                    <a14:hiddenFill xmlns:a14="http://schemas.microsoft.com/office/drawing/2010/main">
+                      <a:noFill/>
+                    </a14:hiddenFill>
+                  </a:ext>
+                  <a:ext uri="{91240B29-F687-4F45-9708-019B960494DF}">
+                    <a14:hiddenLine xmlns:a14="http://schemas.microsoft.com/office/drawing/2010/main" w="9525">
+                      <a:noFill/>
+                      <a:miter lim="800000"/>
+                      <a:headEnd/>
+                      <a:tailEnd/>
+                    </a14:hiddenLine>
+                  </a:ext>
+                  <a:ext uri="{AF507438-7753-43E0-B8FC-AC1667EBCBE1}">
+                    <a14:hiddenEffects xmlns:a14="http://schemas.microsoft.com/office/drawing/2010/main">
+                      <a:effectLst>
+                        <a:outerShdw dist="35921" dir="2700000" algn="ctr" rotWithShape="0">
+                          <a:schemeClr val="bg2"/>
+                        </a:outerShdw>
+                      </a:effectLst>
+                    </a14:hiddenEffects>
+                  </a:ext>
+                </a:extLst>
+              </p:spPr>
+            </p:pic>
+          </p:control>
+        </mc:Fallback>
+      </mc:AlternateContent>
+      <mc:AlternateContent xmlns:mc="http://schemas.openxmlformats.org/markup-compatibility/2006">
+        <mc:Choice xmlns:v="urn:schemas-microsoft-com:vml" Requires="v">
+          <p:control spid="2065" name="CommandButton1" r:id="rId16" imgW="1447920" imgH="457200"/>
+        </mc:Choice>
+        <mc:Fallback>
+          <p:control name="CommandButton1" r:id="rId16" imgW="1447920" imgH="457200">
+            <p:pic>
+              <p:nvPicPr>
+                <p:cNvPr id="0" name="CommandButton1"/>
                 <p:cNvPicPr preferRelativeResize="0">
                   <a:picLocks noChangeArrowheads="1" noChangeShapeType="1"/>
                 </p:cNvPicPr>
@@ -4765,774 +7874,31 @@
               </p:blipFill>
               <p:spPr bwMode="auto">
                 <a:xfrm>
-                  <a:off x="609600" y="4267200"/>
-                  <a:ext cx="838200" cy="304800"/>
+                  <a:off x="457200" y="6483350"/>
+                  <a:ext cx="1911350" cy="381000"/>
                 </a:xfrm>
                 <a:prstGeom prst="rect">
                   <a:avLst/>
                 </a:prstGeom>
                 <a:noFill/>
-                <a:ln w="9525">
-                  <a:miter lim="800000"/>
-                  <a:headEnd/>
-                  <a:tailEnd/>
+                <a:ln>
+                  <a:noFill/>
                 </a:ln>
                 <a:effectLst/>
                 <a:extLst>
-                  <a:ext uri="{AF507438-7753-43E0-B8FC-AC1667EBCBE1}">
-                    <a14:hiddenEffects xmlns:a14="http://schemas.microsoft.com/office/drawing/2010/main">
-                      <a:effectLst>
-                        <a:outerShdw dist="35921" dir="2700000" algn="ctr" rotWithShape="0">
-                          <a:schemeClr val="bg2"/>
-                        </a:outerShdw>
-                      </a:effectLst>
-                    </a14:hiddenEffects>
-                  </a:ext>
-                </a:extLst>
-              </p:spPr>
-            </p:pic>
-          </p:control>
-        </mc:Fallback>
-      </mc:AlternateContent>
-      <mc:AlternateContent xmlns:mc="http://schemas.openxmlformats.org/markup-compatibility/2006">
-        <mc:Choice xmlns:v="urn:schemas-microsoft-com:vml" Requires="v">
-          <p:control spid="1035" name="TextBox5" r:id="rId8" imgW="838080" imgH="304920"/>
-        </mc:Choice>
-        <mc:Fallback>
-          <p:control name="TextBox5" r:id="rId8" imgW="838080" imgH="304920">
-            <p:pic>
-              <p:nvPicPr>
-                <p:cNvPr id="0" name="TextBox5"/>
-                <p:cNvPicPr preferRelativeResize="0">
-                  <a:picLocks noChangeArrowheads="1" noChangeShapeType="1"/>
-                </p:cNvPicPr>
-                <p:nvPr/>
-              </p:nvPicPr>
-              <p:blipFill>
-                <a:blip r:embed="rId26">
-                  <a:extLst>
-                    <a:ext uri="{28A0092B-C50C-407E-A947-70E740481C1C}">
-                      <a14:useLocalDpi xmlns:a14="http://schemas.microsoft.com/office/drawing/2010/main" val="0"/>
-                    </a:ext>
-                  </a:extLst>
-                </a:blip>
-                <a:srcRect/>
-                <a:stretch>
-                  <a:fillRect/>
-                </a:stretch>
-              </p:blipFill>
-              <p:spPr bwMode="auto">
-                <a:xfrm>
-                  <a:off x="609600" y="4648200"/>
-                  <a:ext cx="838200" cy="304800"/>
-                </a:xfrm>
-                <a:prstGeom prst="rect">
-                  <a:avLst/>
-                </a:prstGeom>
-                <a:noFill/>
-                <a:ln w="9525">
-                  <a:miter lim="800000"/>
-                  <a:headEnd/>
-                  <a:tailEnd/>
-                </a:ln>
-                <a:effectLst/>
-                <a:extLst>
-                  <a:ext uri="{AF507438-7753-43E0-B8FC-AC1667EBCBE1}">
-                    <a14:hiddenEffects xmlns:a14="http://schemas.microsoft.com/office/drawing/2010/main">
-                      <a:effectLst>
-                        <a:outerShdw dist="35921" dir="2700000" algn="ctr" rotWithShape="0">
-                          <a:schemeClr val="bg2"/>
-                        </a:outerShdw>
-                      </a:effectLst>
-                    </a14:hiddenEffects>
-                  </a:ext>
-                </a:extLst>
-              </p:spPr>
-            </p:pic>
-          </p:control>
-        </mc:Fallback>
-      </mc:AlternateContent>
-      <mc:AlternateContent xmlns:mc="http://schemas.openxmlformats.org/markup-compatibility/2006">
-        <mc:Choice xmlns:v="urn:schemas-microsoft-com:vml" Requires="v">
-          <p:control spid="1036" name="TextBox6" r:id="rId9" imgW="838080" imgH="304920"/>
-        </mc:Choice>
-        <mc:Fallback>
-          <p:control name="TextBox6" r:id="rId9" imgW="838080" imgH="304920">
-            <p:pic>
-              <p:nvPicPr>
-                <p:cNvPr id="0" name="TextBox6"/>
-                <p:cNvPicPr preferRelativeResize="0">
-                  <a:picLocks noChangeArrowheads="1" noChangeShapeType="1"/>
-                </p:cNvPicPr>
-                <p:nvPr/>
-              </p:nvPicPr>
-              <p:blipFill>
-                <a:blip r:embed="rId26">
-                  <a:extLst>
-                    <a:ext uri="{28A0092B-C50C-407E-A947-70E740481C1C}">
-                      <a14:useLocalDpi xmlns:a14="http://schemas.microsoft.com/office/drawing/2010/main" val="0"/>
-                    </a:ext>
-                  </a:extLst>
-                </a:blip>
-                <a:srcRect/>
-                <a:stretch>
-                  <a:fillRect/>
-                </a:stretch>
-              </p:blipFill>
-              <p:spPr bwMode="auto">
-                <a:xfrm>
-                  <a:off x="609600" y="4267200"/>
-                  <a:ext cx="838200" cy="304800"/>
-                </a:xfrm>
-                <a:prstGeom prst="rect">
-                  <a:avLst/>
-                </a:prstGeom>
-                <a:noFill/>
-                <a:ln w="9525">
-                  <a:miter lim="800000"/>
-                  <a:headEnd/>
-                  <a:tailEnd/>
-                </a:ln>
-                <a:effectLst/>
-                <a:extLst>
-                  <a:ext uri="{AF507438-7753-43E0-B8FC-AC1667EBCBE1}">
-                    <a14:hiddenEffects xmlns:a14="http://schemas.microsoft.com/office/drawing/2010/main">
-                      <a:effectLst>
-                        <a:outerShdw dist="35921" dir="2700000" algn="ctr" rotWithShape="0">
-                          <a:schemeClr val="bg2"/>
-                        </a:outerShdw>
-                      </a:effectLst>
-                    </a14:hiddenEffects>
-                  </a:ext>
-                </a:extLst>
-              </p:spPr>
-            </p:pic>
-          </p:control>
-        </mc:Fallback>
-      </mc:AlternateContent>
-      <mc:AlternateContent xmlns:mc="http://schemas.openxmlformats.org/markup-compatibility/2006">
-        <mc:Choice xmlns:v="urn:schemas-microsoft-com:vml" Requires="v">
-          <p:control spid="1037" name="TextBox7" r:id="rId10" imgW="838080" imgH="304920"/>
-        </mc:Choice>
-        <mc:Fallback>
-          <p:control name="TextBox7" r:id="rId10" imgW="838080" imgH="304920">
-            <p:pic>
-              <p:nvPicPr>
-                <p:cNvPr id="0" name="TextBox7"/>
-                <p:cNvPicPr preferRelativeResize="0">
-                  <a:picLocks noChangeArrowheads="1" noChangeShapeType="1"/>
-                </p:cNvPicPr>
-                <p:nvPr/>
-              </p:nvPicPr>
-              <p:blipFill>
-                <a:blip r:embed="rId26">
-                  <a:extLst>
-                    <a:ext uri="{28A0092B-C50C-407E-A947-70E740481C1C}">
-                      <a14:useLocalDpi xmlns:a14="http://schemas.microsoft.com/office/drawing/2010/main" val="0"/>
-                    </a:ext>
-                  </a:extLst>
-                </a:blip>
-                <a:srcRect/>
-                <a:stretch>
-                  <a:fillRect/>
-                </a:stretch>
-              </p:blipFill>
-              <p:spPr bwMode="auto">
-                <a:xfrm>
-                  <a:off x="609600" y="4648200"/>
-                  <a:ext cx="838200" cy="304800"/>
-                </a:xfrm>
-                <a:prstGeom prst="rect">
-                  <a:avLst/>
-                </a:prstGeom>
-                <a:noFill/>
-                <a:ln w="9525">
-                  <a:miter lim="800000"/>
-                  <a:headEnd/>
-                  <a:tailEnd/>
-                </a:ln>
-                <a:effectLst/>
-                <a:extLst>
-                  <a:ext uri="{AF507438-7753-43E0-B8FC-AC1667EBCBE1}">
-                    <a14:hiddenEffects xmlns:a14="http://schemas.microsoft.com/office/drawing/2010/main">
-                      <a:effectLst>
-                        <a:outerShdw dist="35921" dir="2700000" algn="ctr" rotWithShape="0">
-                          <a:schemeClr val="bg2"/>
-                        </a:outerShdw>
-                      </a:effectLst>
-                    </a14:hiddenEffects>
-                  </a:ext>
-                </a:extLst>
-              </p:spPr>
-            </p:pic>
-          </p:control>
-        </mc:Fallback>
-      </mc:AlternateContent>
-      <mc:AlternateContent xmlns:mc="http://schemas.openxmlformats.org/markup-compatibility/2006">
-        <mc:Choice xmlns:v="urn:schemas-microsoft-com:vml" Requires="v">
-          <p:control spid="1038" name="TextBox8" r:id="rId11" imgW="838080" imgH="304920"/>
-        </mc:Choice>
-        <mc:Fallback>
-          <p:control name="TextBox8" r:id="rId11" imgW="838080" imgH="304920">
-            <p:pic>
-              <p:nvPicPr>
-                <p:cNvPr id="0" name="TextBox8"/>
-                <p:cNvPicPr preferRelativeResize="0">
-                  <a:picLocks noChangeArrowheads="1" noChangeShapeType="1"/>
-                </p:cNvPicPr>
-                <p:nvPr/>
-              </p:nvPicPr>
-              <p:blipFill>
-                <a:blip r:embed="rId26">
-                  <a:extLst>
-                    <a:ext uri="{28A0092B-C50C-407E-A947-70E740481C1C}">
-                      <a14:useLocalDpi xmlns:a14="http://schemas.microsoft.com/office/drawing/2010/main" val="0"/>
-                    </a:ext>
-                  </a:extLst>
-                </a:blip>
-                <a:srcRect/>
-                <a:stretch>
-                  <a:fillRect/>
-                </a:stretch>
-              </p:blipFill>
-              <p:spPr bwMode="auto">
-                <a:xfrm>
-                  <a:off x="1752600" y="4267200"/>
-                  <a:ext cx="838200" cy="304800"/>
-                </a:xfrm>
-                <a:prstGeom prst="rect">
-                  <a:avLst/>
-                </a:prstGeom>
-                <a:noFill/>
-                <a:ln w="9525">
-                  <a:miter lim="800000"/>
-                  <a:headEnd/>
-                  <a:tailEnd/>
-                </a:ln>
-                <a:effectLst/>
-                <a:extLst>
-                  <a:ext uri="{AF507438-7753-43E0-B8FC-AC1667EBCBE1}">
-                    <a14:hiddenEffects xmlns:a14="http://schemas.microsoft.com/office/drawing/2010/main">
-                      <a:effectLst>
-                        <a:outerShdw dist="35921" dir="2700000" algn="ctr" rotWithShape="0">
-                          <a:schemeClr val="bg2"/>
-                        </a:outerShdw>
-                      </a:effectLst>
-                    </a14:hiddenEffects>
-                  </a:ext>
-                </a:extLst>
-              </p:spPr>
-            </p:pic>
-          </p:control>
-        </mc:Fallback>
-      </mc:AlternateContent>
-      <mc:AlternateContent xmlns:mc="http://schemas.openxmlformats.org/markup-compatibility/2006">
-        <mc:Choice xmlns:v="urn:schemas-microsoft-com:vml" Requires="v">
-          <p:control spid="1039" name="TextBox9" r:id="rId12" imgW="838080" imgH="304920"/>
-        </mc:Choice>
-        <mc:Fallback>
-          <p:control name="TextBox9" r:id="rId12" imgW="838080" imgH="304920">
-            <p:pic>
-              <p:nvPicPr>
-                <p:cNvPr id="0" name="TextBox9"/>
-                <p:cNvPicPr preferRelativeResize="0">
-                  <a:picLocks noChangeArrowheads="1" noChangeShapeType="1"/>
-                </p:cNvPicPr>
-                <p:nvPr/>
-              </p:nvPicPr>
-              <p:blipFill>
-                <a:blip r:embed="rId26">
-                  <a:extLst>
-                    <a:ext uri="{28A0092B-C50C-407E-A947-70E740481C1C}">
-                      <a14:useLocalDpi xmlns:a14="http://schemas.microsoft.com/office/drawing/2010/main" val="0"/>
-                    </a:ext>
-                  </a:extLst>
-                </a:blip>
-                <a:srcRect/>
-                <a:stretch>
-                  <a:fillRect/>
-                </a:stretch>
-              </p:blipFill>
-              <p:spPr bwMode="auto">
-                <a:xfrm>
-                  <a:off x="1752600" y="4648200"/>
-                  <a:ext cx="838200" cy="304800"/>
-                </a:xfrm>
-                <a:prstGeom prst="rect">
-                  <a:avLst/>
-                </a:prstGeom>
-                <a:noFill/>
-                <a:ln w="9525">
-                  <a:miter lim="800000"/>
-                  <a:headEnd/>
-                  <a:tailEnd/>
-                </a:ln>
-                <a:effectLst/>
-                <a:extLst>
-                  <a:ext uri="{AF507438-7753-43E0-B8FC-AC1667EBCBE1}">
-                    <a14:hiddenEffects xmlns:a14="http://schemas.microsoft.com/office/drawing/2010/main">
-                      <a:effectLst>
-                        <a:outerShdw dist="35921" dir="2700000" algn="ctr" rotWithShape="0">
-                          <a:schemeClr val="bg2"/>
-                        </a:outerShdw>
-                      </a:effectLst>
-                    </a14:hiddenEffects>
-                  </a:ext>
-                </a:extLst>
-              </p:spPr>
-            </p:pic>
-          </p:control>
-        </mc:Fallback>
-      </mc:AlternateContent>
-      <mc:AlternateContent xmlns:mc="http://schemas.openxmlformats.org/markup-compatibility/2006">
-        <mc:Choice xmlns:v="urn:schemas-microsoft-com:vml" Requires="v">
-          <p:control spid="1040" name="TextBox10" r:id="rId13" imgW="838080" imgH="304920"/>
-        </mc:Choice>
-        <mc:Fallback>
-          <p:control name="TextBox10" r:id="rId13" imgW="838080" imgH="304920">
-            <p:pic>
-              <p:nvPicPr>
-                <p:cNvPr id="0" name="TextBox10"/>
-                <p:cNvPicPr preferRelativeResize="0">
-                  <a:picLocks noChangeArrowheads="1" noChangeShapeType="1"/>
-                </p:cNvPicPr>
-                <p:nvPr/>
-              </p:nvPicPr>
-              <p:blipFill>
-                <a:blip r:embed="rId26">
-                  <a:extLst>
-                    <a:ext uri="{28A0092B-C50C-407E-A947-70E740481C1C}">
-                      <a14:useLocalDpi xmlns:a14="http://schemas.microsoft.com/office/drawing/2010/main" val="0"/>
-                    </a:ext>
-                  </a:extLst>
-                </a:blip>
-                <a:srcRect/>
-                <a:stretch>
-                  <a:fillRect/>
-                </a:stretch>
-              </p:blipFill>
-              <p:spPr bwMode="auto">
-                <a:xfrm>
-                  <a:off x="609600" y="4267200"/>
-                  <a:ext cx="838200" cy="304800"/>
-                </a:xfrm>
-                <a:prstGeom prst="rect">
-                  <a:avLst/>
-                </a:prstGeom>
-                <a:noFill/>
-                <a:ln w="9525">
-                  <a:miter lim="800000"/>
-                  <a:headEnd/>
-                  <a:tailEnd/>
-                </a:ln>
-                <a:effectLst/>
-                <a:extLst>
-                  <a:ext uri="{AF507438-7753-43E0-B8FC-AC1667EBCBE1}">
-                    <a14:hiddenEffects xmlns:a14="http://schemas.microsoft.com/office/drawing/2010/main">
-                      <a:effectLst>
-                        <a:outerShdw dist="35921" dir="2700000" algn="ctr" rotWithShape="0">
-                          <a:schemeClr val="bg2"/>
-                        </a:outerShdw>
-                      </a:effectLst>
-                    </a14:hiddenEffects>
-                  </a:ext>
-                </a:extLst>
-              </p:spPr>
-            </p:pic>
-          </p:control>
-        </mc:Fallback>
-      </mc:AlternateContent>
-      <mc:AlternateContent xmlns:mc="http://schemas.openxmlformats.org/markup-compatibility/2006">
-        <mc:Choice xmlns:v="urn:schemas-microsoft-com:vml" Requires="v">
-          <p:control spid="1041" name="TextBox11" r:id="rId14" imgW="838080" imgH="304920"/>
-        </mc:Choice>
-        <mc:Fallback>
-          <p:control name="TextBox11" r:id="rId14" imgW="838080" imgH="304920">
-            <p:pic>
-              <p:nvPicPr>
-                <p:cNvPr id="0" name="TextBox11"/>
-                <p:cNvPicPr preferRelativeResize="0">
-                  <a:picLocks noChangeArrowheads="1" noChangeShapeType="1"/>
-                </p:cNvPicPr>
-                <p:nvPr/>
-              </p:nvPicPr>
-              <p:blipFill>
-                <a:blip r:embed="rId26">
-                  <a:extLst>
-                    <a:ext uri="{28A0092B-C50C-407E-A947-70E740481C1C}">
-                      <a14:useLocalDpi xmlns:a14="http://schemas.microsoft.com/office/drawing/2010/main" val="0"/>
-                    </a:ext>
-                  </a:extLst>
-                </a:blip>
-                <a:srcRect/>
-                <a:stretch>
-                  <a:fillRect/>
-                </a:stretch>
-              </p:blipFill>
-              <p:spPr bwMode="auto">
-                <a:xfrm>
-                  <a:off x="609600" y="4648200"/>
-                  <a:ext cx="838200" cy="304800"/>
-                </a:xfrm>
-                <a:prstGeom prst="rect">
-                  <a:avLst/>
-                </a:prstGeom>
-                <a:noFill/>
-                <a:ln w="9525">
-                  <a:miter lim="800000"/>
-                  <a:headEnd/>
-                  <a:tailEnd/>
-                </a:ln>
-                <a:effectLst/>
-                <a:extLst>
-                  <a:ext uri="{AF507438-7753-43E0-B8FC-AC1667EBCBE1}">
-                    <a14:hiddenEffects xmlns:a14="http://schemas.microsoft.com/office/drawing/2010/main">
-                      <a:effectLst>
-                        <a:outerShdw dist="35921" dir="2700000" algn="ctr" rotWithShape="0">
-                          <a:schemeClr val="bg2"/>
-                        </a:outerShdw>
-                      </a:effectLst>
-                    </a14:hiddenEffects>
-                  </a:ext>
-                </a:extLst>
-              </p:spPr>
-            </p:pic>
-          </p:control>
-        </mc:Fallback>
-      </mc:AlternateContent>
-      <mc:AlternateContent xmlns:mc="http://schemas.openxmlformats.org/markup-compatibility/2006">
-        <mc:Choice xmlns:v="urn:schemas-microsoft-com:vml" Requires="v">
-          <p:control spid="1042" name="TextBox12" r:id="rId15" imgW="838080" imgH="304920"/>
-        </mc:Choice>
-        <mc:Fallback>
-          <p:control name="TextBox12" r:id="rId15" imgW="838080" imgH="304920">
-            <p:pic>
-              <p:nvPicPr>
-                <p:cNvPr id="0" name="TextBox12"/>
-                <p:cNvPicPr preferRelativeResize="0">
-                  <a:picLocks noChangeArrowheads="1" noChangeShapeType="1"/>
-                </p:cNvPicPr>
-                <p:nvPr/>
-              </p:nvPicPr>
-              <p:blipFill>
-                <a:blip r:embed="rId26">
-                  <a:extLst>
-                    <a:ext uri="{28A0092B-C50C-407E-A947-70E740481C1C}">
-                      <a14:useLocalDpi xmlns:a14="http://schemas.microsoft.com/office/drawing/2010/main" val="0"/>
-                    </a:ext>
-                  </a:extLst>
-                </a:blip>
-                <a:srcRect/>
-                <a:stretch>
-                  <a:fillRect/>
-                </a:stretch>
-              </p:blipFill>
-              <p:spPr bwMode="auto">
-                <a:xfrm>
-                  <a:off x="1752600" y="4267200"/>
-                  <a:ext cx="838200" cy="304800"/>
-                </a:xfrm>
-                <a:prstGeom prst="rect">
-                  <a:avLst/>
-                </a:prstGeom>
-                <a:noFill/>
-                <a:ln w="9525">
-                  <a:miter lim="800000"/>
-                  <a:headEnd/>
-                  <a:tailEnd/>
-                </a:ln>
-                <a:effectLst/>
-                <a:extLst>
-                  <a:ext uri="{AF507438-7753-43E0-B8FC-AC1667EBCBE1}">
-                    <a14:hiddenEffects xmlns:a14="http://schemas.microsoft.com/office/drawing/2010/main">
-                      <a:effectLst>
-                        <a:outerShdw dist="35921" dir="2700000" algn="ctr" rotWithShape="0">
-                          <a:schemeClr val="bg2"/>
-                        </a:outerShdw>
-                      </a:effectLst>
-                    </a14:hiddenEffects>
-                  </a:ext>
-                </a:extLst>
-              </p:spPr>
-            </p:pic>
-          </p:control>
-        </mc:Fallback>
-      </mc:AlternateContent>
-      <mc:AlternateContent xmlns:mc="http://schemas.openxmlformats.org/markup-compatibility/2006">
-        <mc:Choice xmlns:v="urn:schemas-microsoft-com:vml" Requires="v">
-          <p:control spid="1043" name="TextBox13" r:id="rId16" imgW="838080" imgH="304920"/>
-        </mc:Choice>
-        <mc:Fallback>
-          <p:control name="TextBox13" r:id="rId16" imgW="838080" imgH="304920">
-            <p:pic>
-              <p:nvPicPr>
-                <p:cNvPr id="0" name="TextBox13"/>
-                <p:cNvPicPr preferRelativeResize="0">
-                  <a:picLocks noChangeArrowheads="1" noChangeShapeType="1"/>
-                </p:cNvPicPr>
-                <p:nvPr/>
-              </p:nvPicPr>
-              <p:blipFill>
-                <a:blip r:embed="rId26">
-                  <a:extLst>
-                    <a:ext uri="{28A0092B-C50C-407E-A947-70E740481C1C}">
-                      <a14:useLocalDpi xmlns:a14="http://schemas.microsoft.com/office/drawing/2010/main" val="0"/>
-                    </a:ext>
-                  </a:extLst>
-                </a:blip>
-                <a:srcRect/>
-                <a:stretch>
-                  <a:fillRect/>
-                </a:stretch>
-              </p:blipFill>
-              <p:spPr bwMode="auto">
-                <a:xfrm>
-                  <a:off x="609600" y="4267200"/>
-                  <a:ext cx="838200" cy="304800"/>
-                </a:xfrm>
-                <a:prstGeom prst="rect">
-                  <a:avLst/>
-                </a:prstGeom>
-                <a:noFill/>
-                <a:ln w="9525">
-                  <a:miter lim="800000"/>
-                  <a:headEnd/>
-                  <a:tailEnd/>
-                </a:ln>
-                <a:effectLst/>
-                <a:extLst>
-                  <a:ext uri="{AF507438-7753-43E0-B8FC-AC1667EBCBE1}">
-                    <a14:hiddenEffects xmlns:a14="http://schemas.microsoft.com/office/drawing/2010/main">
-                      <a:effectLst>
-                        <a:outerShdw dist="35921" dir="2700000" algn="ctr" rotWithShape="0">
-                          <a:schemeClr val="bg2"/>
-                        </a:outerShdw>
-                      </a:effectLst>
-                    </a14:hiddenEffects>
-                  </a:ext>
-                </a:extLst>
-              </p:spPr>
-            </p:pic>
-          </p:control>
-        </mc:Fallback>
-      </mc:AlternateContent>
-      <mc:AlternateContent xmlns:mc="http://schemas.openxmlformats.org/markup-compatibility/2006">
-        <mc:Choice xmlns:v="urn:schemas-microsoft-com:vml" Requires="v">
-          <p:control spid="1044" name="TextBox14" r:id="rId17" imgW="838080" imgH="304920"/>
-        </mc:Choice>
-        <mc:Fallback>
-          <p:control name="TextBox14" r:id="rId17" imgW="838080" imgH="304920">
-            <p:pic>
-              <p:nvPicPr>
-                <p:cNvPr id="0" name="TextBox14"/>
-                <p:cNvPicPr preferRelativeResize="0">
-                  <a:picLocks noChangeArrowheads="1" noChangeShapeType="1"/>
-                </p:cNvPicPr>
-                <p:nvPr/>
-              </p:nvPicPr>
-              <p:blipFill>
-                <a:blip r:embed="rId26">
-                  <a:extLst>
-                    <a:ext uri="{28A0092B-C50C-407E-A947-70E740481C1C}">
-                      <a14:useLocalDpi xmlns:a14="http://schemas.microsoft.com/office/drawing/2010/main" val="0"/>
-                    </a:ext>
-                  </a:extLst>
-                </a:blip>
-                <a:srcRect/>
-                <a:stretch>
-                  <a:fillRect/>
-                </a:stretch>
-              </p:blipFill>
-              <p:spPr bwMode="auto">
-                <a:xfrm>
-                  <a:off x="1219200" y="5334000"/>
-                  <a:ext cx="838200" cy="304800"/>
-                </a:xfrm>
-                <a:prstGeom prst="rect">
-                  <a:avLst/>
-                </a:prstGeom>
-                <a:noFill/>
-                <a:ln w="9525">
-                  <a:miter lim="800000"/>
-                  <a:headEnd/>
-                  <a:tailEnd/>
-                </a:ln>
-                <a:effectLst/>
-                <a:extLst>
-                  <a:ext uri="{AF507438-7753-43E0-B8FC-AC1667EBCBE1}">
-                    <a14:hiddenEffects xmlns:a14="http://schemas.microsoft.com/office/drawing/2010/main">
-                      <a:effectLst>
-                        <a:outerShdw dist="35921" dir="2700000" algn="ctr" rotWithShape="0">
-                          <a:schemeClr val="bg2"/>
-                        </a:outerShdw>
-                      </a:effectLst>
-                    </a14:hiddenEffects>
-                  </a:ext>
-                </a:extLst>
-              </p:spPr>
-            </p:pic>
-          </p:control>
-        </mc:Fallback>
-      </mc:AlternateContent>
-      <mc:AlternateContent xmlns:mc="http://schemas.openxmlformats.org/markup-compatibility/2006">
-        <mc:Choice xmlns:v="urn:schemas-microsoft-com:vml" Requires="v">
-          <p:control spid="1045" name="TextBox15" r:id="rId18" imgW="838080" imgH="304920"/>
-        </mc:Choice>
-        <mc:Fallback>
-          <p:control name="TextBox15" r:id="rId18" imgW="838080" imgH="304920">
-            <p:pic>
-              <p:nvPicPr>
-                <p:cNvPr id="0" name="TextBox15"/>
-                <p:cNvPicPr preferRelativeResize="0">
-                  <a:picLocks noChangeArrowheads="1" noChangeShapeType="1"/>
-                </p:cNvPicPr>
-                <p:nvPr/>
-              </p:nvPicPr>
-              <p:blipFill>
-                <a:blip r:embed="rId26">
-                  <a:extLst>
-                    <a:ext uri="{28A0092B-C50C-407E-A947-70E740481C1C}">
-                      <a14:useLocalDpi xmlns:a14="http://schemas.microsoft.com/office/drawing/2010/main" val="0"/>
-                    </a:ext>
-                  </a:extLst>
-                </a:blip>
-                <a:srcRect/>
-                <a:stretch>
-                  <a:fillRect/>
-                </a:stretch>
-              </p:blipFill>
-              <p:spPr bwMode="auto">
-                <a:xfrm>
-                  <a:off x="0" y="5334000"/>
-                  <a:ext cx="838200" cy="304800"/>
-                </a:xfrm>
-                <a:prstGeom prst="rect">
-                  <a:avLst/>
-                </a:prstGeom>
-                <a:noFill/>
-                <a:ln w="9525">
-                  <a:miter lim="800000"/>
-                  <a:headEnd/>
-                  <a:tailEnd/>
-                </a:ln>
-                <a:effectLst/>
-                <a:extLst>
-                  <a:ext uri="{AF507438-7753-43E0-B8FC-AC1667EBCBE1}">
-                    <a14:hiddenEffects xmlns:a14="http://schemas.microsoft.com/office/drawing/2010/main">
-                      <a:effectLst>
-                        <a:outerShdw dist="35921" dir="2700000" algn="ctr" rotWithShape="0">
-                          <a:schemeClr val="bg2"/>
-                        </a:outerShdw>
-                      </a:effectLst>
-                    </a14:hiddenEffects>
-                  </a:ext>
-                </a:extLst>
-              </p:spPr>
-            </p:pic>
-          </p:control>
-        </mc:Fallback>
-      </mc:AlternateContent>
-      <mc:AlternateContent xmlns:mc="http://schemas.openxmlformats.org/markup-compatibility/2006">
-        <mc:Choice xmlns:v="urn:schemas-microsoft-com:vml" Requires="v">
-          <p:control spid="1046" name="CheckBox1" r:id="rId19" imgW="2009880" imgH="304920"/>
-        </mc:Choice>
-        <mc:Fallback>
-          <p:control name="CheckBox1" r:id="rId19" imgW="2009880" imgH="304920">
-            <p:pic>
-              <p:nvPicPr>
-                <p:cNvPr id="0" name="CheckBox1"/>
-                <p:cNvPicPr preferRelativeResize="0">
-                  <a:picLocks noChangeArrowheads="1" noChangeShapeType="1"/>
-                </p:cNvPicPr>
-                <p:nvPr/>
-              </p:nvPicPr>
-              <p:blipFill>
-                <a:blip r:embed="rId27">
-                  <a:extLst>
-                    <a:ext uri="{28A0092B-C50C-407E-A947-70E740481C1C}">
-                      <a14:useLocalDpi xmlns:a14="http://schemas.microsoft.com/office/drawing/2010/main" val="0"/>
-                    </a:ext>
-                  </a:extLst>
-                </a:blip>
-                <a:srcRect/>
-                <a:stretch>
-                  <a:fillRect/>
-                </a:stretch>
-              </p:blipFill>
-              <p:spPr bwMode="auto">
-                <a:xfrm>
-                  <a:off x="0" y="5638800"/>
-                  <a:ext cx="1992313" cy="300038"/>
-                </a:xfrm>
-                <a:prstGeom prst="rect">
-                  <a:avLst/>
-                </a:prstGeom>
-                <a:noFill/>
-                <a:ln w="9525">
-                  <a:miter lim="800000"/>
-                  <a:headEnd/>
-                  <a:tailEnd/>
-                </a:ln>
-                <a:effectLst/>
-                <a:extLst>
-                  <a:ext uri="{AF507438-7753-43E0-B8FC-AC1667EBCBE1}">
-                    <a14:hiddenEffects xmlns:a14="http://schemas.microsoft.com/office/drawing/2010/main">
-                      <a:effectLst>
-                        <a:outerShdw dist="35921" dir="2700000" algn="ctr" rotWithShape="0">
-                          <a:schemeClr val="bg2"/>
-                        </a:outerShdw>
-                      </a:effectLst>
-                    </a14:hiddenEffects>
-                  </a:ext>
-                </a:extLst>
-              </p:spPr>
-            </p:pic>
-          </p:control>
-        </mc:Fallback>
-      </mc:AlternateContent>
-      <mc:AlternateContent xmlns:mc="http://schemas.openxmlformats.org/markup-compatibility/2006">
-        <mc:Choice xmlns:v="urn:schemas-microsoft-com:vml" Requires="v">
-          <p:control spid="1047" name="CommandButton1" r:id="rId20" imgW="1447920" imgH="457200"/>
-        </mc:Choice>
-        <mc:Fallback>
-          <p:control name="CommandButton1" r:id="rId20" imgW="1447920" imgH="457200">
-            <p:pic>
-              <p:nvPicPr>
-                <p:cNvPr id="0" name="CommandButton1"/>
-                <p:cNvPicPr preferRelativeResize="0">
-                  <a:picLocks noChangeArrowheads="1" noChangeShapeType="1"/>
-                </p:cNvPicPr>
-                <p:nvPr/>
-              </p:nvPicPr>
-              <p:blipFill>
-                <a:blip r:embed="rId28">
-                  <a:extLst>
-                    <a:ext uri="{28A0092B-C50C-407E-A947-70E740481C1C}">
-                      <a14:useLocalDpi xmlns:a14="http://schemas.microsoft.com/office/drawing/2010/main" val="0"/>
-                    </a:ext>
-                  </a:extLst>
-                </a:blip>
-                <a:srcRect/>
-                <a:stretch>
-                  <a:fillRect/>
-                </a:stretch>
-              </p:blipFill>
-              <p:spPr bwMode="auto">
-                <a:xfrm>
-                  <a:off x="609600" y="6096000"/>
-                  <a:ext cx="1447800" cy="457200"/>
-                </a:xfrm>
-                <a:prstGeom prst="rect">
-                  <a:avLst/>
-                </a:prstGeom>
-                <a:noFill/>
-                <a:ln w="9525">
-                  <a:miter lim="800000"/>
-                  <a:headEnd/>
-                  <a:tailEnd/>
-                </a:ln>
-                <a:effectLst/>
-                <a:extLst>
+                  <a:ext uri="{909E8E84-426E-40DD-AFC4-6F175D3DCCD1}">
+                    <a14:hiddenFill xmlns:a14="http://schemas.microsoft.com/office/drawing/2010/main">
+                      <a:noFill/>
+                    </a14:hiddenFill>
+                  </a:ext>
+                  <a:ext uri="{91240B29-F687-4F45-9708-019B960494DF}">
+                    <a14:hiddenLine xmlns:a14="http://schemas.microsoft.com/office/drawing/2010/main" w="9525">
+                      <a:noFill/>
+                      <a:miter lim="800000"/>
+                      <a:headEnd/>
+                      <a:tailEnd/>
+                    </a14:hiddenLine>
+                  </a:ext>
                   <a:ext uri="{AF507438-7753-43E0-B8FC-AC1667EBCBE1}">
                     <a14:hiddenEffects xmlns:a14="http://schemas.microsoft.com/office/drawing/2010/main">
                       <a:effectLst>
@@ -5551,20 +7917,13 @@
     </p:controls>
     <p:extLst>
       <p:ext uri="{BB962C8B-B14F-4D97-AF65-F5344CB8AC3E}">
-        <p14:creationId xmlns:p14="http://schemas.microsoft.com/office/powerpoint/2010/main" val="3695482872"/>
+        <p14:creationId xmlns:p14="http://schemas.microsoft.com/office/powerpoint/2010/main" val="2030899227"/>
       </p:ext>
     </p:extLst>
   </p:cSld>
   <p:clrMapOvr>
     <a:masterClrMapping/>
   </p:clrMapOvr>
-  <p:timing>
-    <p:tnLst>
-      <p:par>
-        <p:cTn id="1" dur="indefinite" restart="never" nodeType="tmRoot"/>
-      </p:par>
-    </p:tnLst>
-  </p:timing>
 </p:sld>
 </file>
 
